--- a/chap2/프레젠테이션1.pptx
+++ b/chap2/프레젠테이션1.pptx
@@ -10,6 +10,7 @@
     <p:sldId id="258" r:id="rId4"/>
     <p:sldId id="259" r:id="rId5"/>
     <p:sldId id="260" r:id="rId6"/>
+    <p:sldId id="261" r:id="rId7"/>
   </p:sldIdLst>
   <p:sldSz cx="12192000" cy="6858000"/>
   <p:notesSz cx="6858000" cy="9144000"/>
@@ -108,6 +109,11 @@
       </a:defRPr>
     </a:lvl9pPr>
   </p:defaultTextStyle>
+  <p:extLst>
+    <p:ext uri="{EFAFB233-063F-42B5-8137-9DF3F51BA10A}">
+      <p15:sldGuideLst xmlns:p15="http://schemas.microsoft.com/office/powerpoint/2012/main"/>
+    </p:ext>
+  </p:extLst>
 </p:presentation>
 </file>
 
@@ -242,7 +248,7 @@
           <a:p>
             <a:fld id="{D6256A93-9054-4FB5-A5A6-9D00BB2633B8}" type="datetimeFigureOut">
               <a:rPr lang="ko-KR" altLang="en-US" smtClean="0"/>
-              <a:t>2021-12-17</a:t>
+              <a:t>2021-12-22</a:t>
             </a:fld>
             <a:endParaRPr lang="ko-KR" altLang="en-US"/>
           </a:p>
@@ -412,7 +418,7 @@
           <a:p>
             <a:fld id="{D6256A93-9054-4FB5-A5A6-9D00BB2633B8}" type="datetimeFigureOut">
               <a:rPr lang="ko-KR" altLang="en-US" smtClean="0"/>
-              <a:t>2021-12-17</a:t>
+              <a:t>2021-12-22</a:t>
             </a:fld>
             <a:endParaRPr lang="ko-KR" altLang="en-US"/>
           </a:p>
@@ -592,7 +598,7 @@
           <a:p>
             <a:fld id="{D6256A93-9054-4FB5-A5A6-9D00BB2633B8}" type="datetimeFigureOut">
               <a:rPr lang="ko-KR" altLang="en-US" smtClean="0"/>
-              <a:t>2021-12-17</a:t>
+              <a:t>2021-12-22</a:t>
             </a:fld>
             <a:endParaRPr lang="ko-KR" altLang="en-US"/>
           </a:p>
@@ -762,7 +768,7 @@
           <a:p>
             <a:fld id="{D6256A93-9054-4FB5-A5A6-9D00BB2633B8}" type="datetimeFigureOut">
               <a:rPr lang="ko-KR" altLang="en-US" smtClean="0"/>
-              <a:t>2021-12-17</a:t>
+              <a:t>2021-12-22</a:t>
             </a:fld>
             <a:endParaRPr lang="ko-KR" altLang="en-US"/>
           </a:p>
@@ -1008,7 +1014,7 @@
           <a:p>
             <a:fld id="{D6256A93-9054-4FB5-A5A6-9D00BB2633B8}" type="datetimeFigureOut">
               <a:rPr lang="ko-KR" altLang="en-US" smtClean="0"/>
-              <a:t>2021-12-17</a:t>
+              <a:t>2021-12-22</a:t>
             </a:fld>
             <a:endParaRPr lang="ko-KR" altLang="en-US"/>
           </a:p>
@@ -1240,7 +1246,7 @@
           <a:p>
             <a:fld id="{D6256A93-9054-4FB5-A5A6-9D00BB2633B8}" type="datetimeFigureOut">
               <a:rPr lang="ko-KR" altLang="en-US" smtClean="0"/>
-              <a:t>2021-12-17</a:t>
+              <a:t>2021-12-22</a:t>
             </a:fld>
             <a:endParaRPr lang="ko-KR" altLang="en-US"/>
           </a:p>
@@ -1607,7 +1613,7 @@
           <a:p>
             <a:fld id="{D6256A93-9054-4FB5-A5A6-9D00BB2633B8}" type="datetimeFigureOut">
               <a:rPr lang="ko-KR" altLang="en-US" smtClean="0"/>
-              <a:t>2021-12-17</a:t>
+              <a:t>2021-12-22</a:t>
             </a:fld>
             <a:endParaRPr lang="ko-KR" altLang="en-US"/>
           </a:p>
@@ -1725,7 +1731,7 @@
           <a:p>
             <a:fld id="{D6256A93-9054-4FB5-A5A6-9D00BB2633B8}" type="datetimeFigureOut">
               <a:rPr lang="ko-KR" altLang="en-US" smtClean="0"/>
-              <a:t>2021-12-17</a:t>
+              <a:t>2021-12-22</a:t>
             </a:fld>
             <a:endParaRPr lang="ko-KR" altLang="en-US"/>
           </a:p>
@@ -1820,7 +1826,7 @@
           <a:p>
             <a:fld id="{D6256A93-9054-4FB5-A5A6-9D00BB2633B8}" type="datetimeFigureOut">
               <a:rPr lang="ko-KR" altLang="en-US" smtClean="0"/>
-              <a:t>2021-12-17</a:t>
+              <a:t>2021-12-22</a:t>
             </a:fld>
             <a:endParaRPr lang="ko-KR" altLang="en-US"/>
           </a:p>
@@ -2097,7 +2103,7 @@
           <a:p>
             <a:fld id="{D6256A93-9054-4FB5-A5A6-9D00BB2633B8}" type="datetimeFigureOut">
               <a:rPr lang="ko-KR" altLang="en-US" smtClean="0"/>
-              <a:t>2021-12-17</a:t>
+              <a:t>2021-12-22</a:t>
             </a:fld>
             <a:endParaRPr lang="ko-KR" altLang="en-US"/>
           </a:p>
@@ -2350,7 +2356,7 @@
           <a:p>
             <a:fld id="{D6256A93-9054-4FB5-A5A6-9D00BB2633B8}" type="datetimeFigureOut">
               <a:rPr lang="ko-KR" altLang="en-US" smtClean="0"/>
-              <a:t>2021-12-17</a:t>
+              <a:t>2021-12-22</a:t>
             </a:fld>
             <a:endParaRPr lang="ko-KR" altLang="en-US"/>
           </a:p>
@@ -2563,7 +2569,7 @@
           <a:p>
             <a:fld id="{D6256A93-9054-4FB5-A5A6-9D00BB2633B8}" type="datetimeFigureOut">
               <a:rPr lang="ko-KR" altLang="en-US" smtClean="0"/>
-              <a:t>2021-12-17</a:t>
+              <a:t>2021-12-22</a:t>
             </a:fld>
             <a:endParaRPr lang="ko-KR" altLang="en-US"/>
           </a:p>
@@ -8089,6 +8095,5541 @@
 </p:sld>
 </file>
 
+<file path=ppt/slides/slide6.xml><?xml version="1.0" encoding="utf-8"?>
+<p:sld xmlns:a="http://schemas.openxmlformats.org/drawingml/2006/main" xmlns:r="http://schemas.openxmlformats.org/officeDocument/2006/relationships" xmlns:p="http://schemas.openxmlformats.org/presentationml/2006/main">
+  <p:cSld>
+    <p:spTree>
+      <p:nvGrpSpPr>
+        <p:cNvPr id="1" name=""/>
+        <p:cNvGrpSpPr/>
+        <p:nvPr/>
+      </p:nvGrpSpPr>
+      <p:grpSpPr>
+        <a:xfrm>
+          <a:off x="0" y="0"/>
+          <a:ext cx="0" cy="0"/>
+          <a:chOff x="0" y="0"/>
+          <a:chExt cx="0" cy="0"/>
+        </a:xfrm>
+      </p:grpSpPr>
+      <p:sp>
+        <p:nvSpPr>
+          <p:cNvPr id="4" name="직사각형 3"/>
+          <p:cNvSpPr/>
+          <p:nvPr/>
+        </p:nvSpPr>
+        <p:spPr>
+          <a:xfrm>
+            <a:off x="2074251" y="2092569"/>
+            <a:ext cx="854319" cy="369277"/>
+          </a:xfrm>
+          <a:prstGeom prst="rect">
+            <a:avLst/>
+          </a:prstGeom>
+          <a:ln w="19050">
+            <a:solidFill>
+              <a:schemeClr val="bg1"/>
+            </a:solidFill>
+          </a:ln>
+        </p:spPr>
+        <p:style>
+          <a:lnRef idx="2">
+            <a:schemeClr val="accent1">
+              <a:shade val="50000"/>
+            </a:schemeClr>
+          </a:lnRef>
+          <a:fillRef idx="1">
+            <a:schemeClr val="accent1"/>
+          </a:fillRef>
+          <a:effectRef idx="0">
+            <a:schemeClr val="accent1"/>
+          </a:effectRef>
+          <a:fontRef idx="minor">
+            <a:schemeClr val="lt1"/>
+          </a:fontRef>
+        </p:style>
+        <p:txBody>
+          <a:bodyPr rtlCol="0" anchor="ctr"/>
+          <a:lstStyle/>
+          <a:p>
+            <a:pPr algn="ctr"/>
+            <a:r>
+              <a:rPr lang="en-US" altLang="ko-KR" dirty="0" smtClean="0"/>
+              <a:t>first</a:t>
+            </a:r>
+            <a:endParaRPr lang="ko-KR" altLang="en-US" dirty="0"/>
+          </a:p>
+        </p:txBody>
+      </p:sp>
+      <p:sp>
+        <p:nvSpPr>
+          <p:cNvPr id="5" name="직사각형 4"/>
+          <p:cNvSpPr/>
+          <p:nvPr/>
+        </p:nvSpPr>
+        <p:spPr>
+          <a:xfrm>
+            <a:off x="2928570" y="2092569"/>
+            <a:ext cx="854319" cy="369277"/>
+          </a:xfrm>
+          <a:prstGeom prst="rect">
+            <a:avLst/>
+          </a:prstGeom>
+          <a:ln w="19050">
+            <a:solidFill>
+              <a:schemeClr val="bg1"/>
+            </a:solidFill>
+          </a:ln>
+        </p:spPr>
+        <p:style>
+          <a:lnRef idx="2">
+            <a:schemeClr val="accent1">
+              <a:shade val="50000"/>
+            </a:schemeClr>
+          </a:lnRef>
+          <a:fillRef idx="1">
+            <a:schemeClr val="accent1"/>
+          </a:fillRef>
+          <a:effectRef idx="0">
+            <a:schemeClr val="accent1"/>
+          </a:effectRef>
+          <a:fontRef idx="minor">
+            <a:schemeClr val="lt1"/>
+          </a:fontRef>
+        </p:style>
+        <p:txBody>
+          <a:bodyPr rtlCol="0" anchor="ctr"/>
+          <a:lstStyle/>
+          <a:p>
+            <a:pPr algn="ctr"/>
+            <a:r>
+              <a:rPr lang="en-US" altLang="ko-KR" spc="-150" dirty="0" smtClean="0"/>
+              <a:t>second</a:t>
+            </a:r>
+            <a:endParaRPr lang="ko-KR" altLang="en-US" spc="-150" dirty="0"/>
+          </a:p>
+        </p:txBody>
+      </p:sp>
+      <p:sp>
+        <p:nvSpPr>
+          <p:cNvPr id="6" name="직사각형 5"/>
+          <p:cNvSpPr/>
+          <p:nvPr/>
+        </p:nvSpPr>
+        <p:spPr>
+          <a:xfrm>
+            <a:off x="2074251" y="2461846"/>
+            <a:ext cx="854319" cy="369277"/>
+          </a:xfrm>
+          <a:prstGeom prst="rect">
+            <a:avLst/>
+          </a:prstGeom>
+          <a:solidFill>
+            <a:schemeClr val="accent1">
+              <a:lumMod val="40000"/>
+              <a:lumOff val="60000"/>
+            </a:schemeClr>
+          </a:solidFill>
+          <a:ln w="19050">
+            <a:solidFill>
+              <a:schemeClr val="bg1"/>
+            </a:solidFill>
+          </a:ln>
+        </p:spPr>
+        <p:style>
+          <a:lnRef idx="2">
+            <a:schemeClr val="accent1">
+              <a:shade val="50000"/>
+            </a:schemeClr>
+          </a:lnRef>
+          <a:fillRef idx="1">
+            <a:schemeClr val="accent1"/>
+          </a:fillRef>
+          <a:effectRef idx="0">
+            <a:schemeClr val="accent1"/>
+          </a:effectRef>
+          <a:fontRef idx="minor">
+            <a:schemeClr val="lt1"/>
+          </a:fontRef>
+        </p:style>
+        <p:txBody>
+          <a:bodyPr rtlCol="0" anchor="ctr"/>
+          <a:lstStyle/>
+          <a:p>
+            <a:pPr algn="ctr"/>
+            <a:r>
+              <a:rPr lang="en-US" altLang="ko-KR" dirty="0" smtClean="0">
+                <a:solidFill>
+                  <a:srgbClr val="002060"/>
+                </a:solidFill>
+              </a:rPr>
+              <a:t>1</a:t>
+            </a:r>
+            <a:endParaRPr lang="ko-KR" altLang="en-US" dirty="0">
+              <a:solidFill>
+                <a:srgbClr val="002060"/>
+              </a:solidFill>
+            </a:endParaRPr>
+          </a:p>
+        </p:txBody>
+      </p:sp>
+      <p:sp>
+        <p:nvSpPr>
+          <p:cNvPr id="7" name="직사각형 6"/>
+          <p:cNvSpPr/>
+          <p:nvPr/>
+        </p:nvSpPr>
+        <p:spPr>
+          <a:xfrm>
+            <a:off x="2928570" y="2461846"/>
+            <a:ext cx="854319" cy="369277"/>
+          </a:xfrm>
+          <a:prstGeom prst="rect">
+            <a:avLst/>
+          </a:prstGeom>
+          <a:solidFill>
+            <a:schemeClr val="accent1">
+              <a:lumMod val="40000"/>
+              <a:lumOff val="60000"/>
+            </a:schemeClr>
+          </a:solidFill>
+          <a:ln w="19050">
+            <a:solidFill>
+              <a:schemeClr val="bg1"/>
+            </a:solidFill>
+          </a:ln>
+        </p:spPr>
+        <p:style>
+          <a:lnRef idx="2">
+            <a:schemeClr val="accent1">
+              <a:shade val="50000"/>
+            </a:schemeClr>
+          </a:lnRef>
+          <a:fillRef idx="1">
+            <a:schemeClr val="accent1"/>
+          </a:fillRef>
+          <a:effectRef idx="0">
+            <a:schemeClr val="accent1"/>
+          </a:effectRef>
+          <a:fontRef idx="minor">
+            <a:schemeClr val="lt1"/>
+          </a:fontRef>
+        </p:style>
+        <p:txBody>
+          <a:bodyPr rtlCol="0" anchor="ctr"/>
+          <a:lstStyle/>
+          <a:p>
+            <a:pPr algn="ctr"/>
+            <a:r>
+              <a:rPr lang="ko-KR" altLang="en-US" dirty="0" smtClean="0">
+                <a:solidFill>
+                  <a:srgbClr val="002060"/>
+                </a:solidFill>
+              </a:rPr>
+              <a:t>가</a:t>
+            </a:r>
+            <a:endParaRPr lang="ko-KR" altLang="en-US" dirty="0">
+              <a:solidFill>
+                <a:srgbClr val="002060"/>
+              </a:solidFill>
+            </a:endParaRPr>
+          </a:p>
+        </p:txBody>
+      </p:sp>
+      <p:sp>
+        <p:nvSpPr>
+          <p:cNvPr id="8" name="직사각형 7"/>
+          <p:cNvSpPr/>
+          <p:nvPr/>
+        </p:nvSpPr>
+        <p:spPr>
+          <a:xfrm>
+            <a:off x="2074251" y="2831122"/>
+            <a:ext cx="854319" cy="369277"/>
+          </a:xfrm>
+          <a:prstGeom prst="rect">
+            <a:avLst/>
+          </a:prstGeom>
+          <a:solidFill>
+            <a:schemeClr val="accent1">
+              <a:lumMod val="40000"/>
+              <a:lumOff val="60000"/>
+            </a:schemeClr>
+          </a:solidFill>
+          <a:ln w="19050">
+            <a:solidFill>
+              <a:schemeClr val="bg1"/>
+            </a:solidFill>
+          </a:ln>
+        </p:spPr>
+        <p:style>
+          <a:lnRef idx="2">
+            <a:schemeClr val="accent1">
+              <a:shade val="50000"/>
+            </a:schemeClr>
+          </a:lnRef>
+          <a:fillRef idx="1">
+            <a:schemeClr val="accent1"/>
+          </a:fillRef>
+          <a:effectRef idx="0">
+            <a:schemeClr val="accent1"/>
+          </a:effectRef>
+          <a:fontRef idx="minor">
+            <a:schemeClr val="lt1"/>
+          </a:fontRef>
+        </p:style>
+        <p:txBody>
+          <a:bodyPr rtlCol="0" anchor="ctr"/>
+          <a:lstStyle/>
+          <a:p>
+            <a:pPr algn="ctr"/>
+            <a:r>
+              <a:rPr lang="en-US" altLang="ko-KR" dirty="0" smtClean="0">
+                <a:solidFill>
+                  <a:srgbClr val="002060"/>
+                </a:solidFill>
+              </a:rPr>
+              <a:t>2</a:t>
+            </a:r>
+            <a:endParaRPr lang="ko-KR" altLang="en-US" dirty="0">
+              <a:solidFill>
+                <a:srgbClr val="002060"/>
+              </a:solidFill>
+            </a:endParaRPr>
+          </a:p>
+        </p:txBody>
+      </p:sp>
+      <p:sp>
+        <p:nvSpPr>
+          <p:cNvPr id="9" name="직사각형 8"/>
+          <p:cNvSpPr/>
+          <p:nvPr/>
+        </p:nvSpPr>
+        <p:spPr>
+          <a:xfrm>
+            <a:off x="2928570" y="2831122"/>
+            <a:ext cx="854319" cy="369277"/>
+          </a:xfrm>
+          <a:prstGeom prst="rect">
+            <a:avLst/>
+          </a:prstGeom>
+          <a:solidFill>
+            <a:schemeClr val="accent1">
+              <a:lumMod val="40000"/>
+              <a:lumOff val="60000"/>
+            </a:schemeClr>
+          </a:solidFill>
+          <a:ln w="19050">
+            <a:solidFill>
+              <a:schemeClr val="bg1"/>
+            </a:solidFill>
+          </a:ln>
+        </p:spPr>
+        <p:style>
+          <a:lnRef idx="2">
+            <a:schemeClr val="accent1">
+              <a:shade val="50000"/>
+            </a:schemeClr>
+          </a:lnRef>
+          <a:fillRef idx="1">
+            <a:schemeClr val="accent1"/>
+          </a:fillRef>
+          <a:effectRef idx="0">
+            <a:schemeClr val="accent1"/>
+          </a:effectRef>
+          <a:fontRef idx="minor">
+            <a:schemeClr val="lt1"/>
+          </a:fontRef>
+        </p:style>
+        <p:txBody>
+          <a:bodyPr rtlCol="0" anchor="ctr"/>
+          <a:lstStyle/>
+          <a:p>
+            <a:pPr algn="ctr"/>
+            <a:r>
+              <a:rPr lang="ko-KR" altLang="en-US" smtClean="0">
+                <a:solidFill>
+                  <a:srgbClr val="002060"/>
+                </a:solidFill>
+              </a:rPr>
+              <a:t>나</a:t>
+            </a:r>
+            <a:endParaRPr lang="ko-KR" altLang="en-US">
+              <a:solidFill>
+                <a:srgbClr val="002060"/>
+              </a:solidFill>
+            </a:endParaRPr>
+          </a:p>
+        </p:txBody>
+      </p:sp>
+      <p:sp>
+        <p:nvSpPr>
+          <p:cNvPr id="10" name="직사각형 9"/>
+          <p:cNvSpPr/>
+          <p:nvPr/>
+        </p:nvSpPr>
+        <p:spPr>
+          <a:xfrm>
+            <a:off x="2074251" y="3200398"/>
+            <a:ext cx="854319" cy="369277"/>
+          </a:xfrm>
+          <a:prstGeom prst="rect">
+            <a:avLst/>
+          </a:prstGeom>
+          <a:solidFill>
+            <a:schemeClr val="accent1">
+              <a:lumMod val="40000"/>
+              <a:lumOff val="60000"/>
+            </a:schemeClr>
+          </a:solidFill>
+          <a:ln w="19050">
+            <a:solidFill>
+              <a:schemeClr val="bg1"/>
+            </a:solidFill>
+          </a:ln>
+        </p:spPr>
+        <p:style>
+          <a:lnRef idx="2">
+            <a:schemeClr val="accent1">
+              <a:shade val="50000"/>
+            </a:schemeClr>
+          </a:lnRef>
+          <a:fillRef idx="1">
+            <a:schemeClr val="accent1"/>
+          </a:fillRef>
+          <a:effectRef idx="0">
+            <a:schemeClr val="accent1"/>
+          </a:effectRef>
+          <a:fontRef idx="minor">
+            <a:schemeClr val="lt1"/>
+          </a:fontRef>
+        </p:style>
+        <p:txBody>
+          <a:bodyPr rtlCol="0" anchor="ctr"/>
+          <a:lstStyle/>
+          <a:p>
+            <a:pPr algn="ctr"/>
+            <a:r>
+              <a:rPr lang="en-US" altLang="ko-KR" dirty="0" smtClean="0">
+                <a:solidFill>
+                  <a:srgbClr val="002060"/>
+                </a:solidFill>
+              </a:rPr>
+              <a:t>3</a:t>
+            </a:r>
+            <a:endParaRPr lang="ko-KR" altLang="en-US" dirty="0">
+              <a:solidFill>
+                <a:srgbClr val="002060"/>
+              </a:solidFill>
+            </a:endParaRPr>
+          </a:p>
+        </p:txBody>
+      </p:sp>
+      <p:sp>
+        <p:nvSpPr>
+          <p:cNvPr id="11" name="직사각형 10"/>
+          <p:cNvSpPr/>
+          <p:nvPr/>
+        </p:nvSpPr>
+        <p:spPr>
+          <a:xfrm>
+            <a:off x="2928570" y="3200398"/>
+            <a:ext cx="854319" cy="369277"/>
+          </a:xfrm>
+          <a:prstGeom prst="rect">
+            <a:avLst/>
+          </a:prstGeom>
+          <a:solidFill>
+            <a:schemeClr val="accent1">
+              <a:lumMod val="40000"/>
+              <a:lumOff val="60000"/>
+            </a:schemeClr>
+          </a:solidFill>
+          <a:ln w="19050">
+            <a:solidFill>
+              <a:schemeClr val="bg1"/>
+            </a:solidFill>
+          </a:ln>
+        </p:spPr>
+        <p:style>
+          <a:lnRef idx="2">
+            <a:schemeClr val="accent1">
+              <a:shade val="50000"/>
+            </a:schemeClr>
+          </a:lnRef>
+          <a:fillRef idx="1">
+            <a:schemeClr val="accent1"/>
+          </a:fillRef>
+          <a:effectRef idx="0">
+            <a:schemeClr val="accent1"/>
+          </a:effectRef>
+          <a:fontRef idx="minor">
+            <a:schemeClr val="lt1"/>
+          </a:fontRef>
+        </p:style>
+        <p:txBody>
+          <a:bodyPr rtlCol="0" anchor="ctr"/>
+          <a:lstStyle/>
+          <a:p>
+            <a:pPr algn="ctr"/>
+            <a:r>
+              <a:rPr lang="ko-KR" altLang="en-US" dirty="0" smtClean="0">
+                <a:solidFill>
+                  <a:srgbClr val="002060"/>
+                </a:solidFill>
+              </a:rPr>
+              <a:t>다</a:t>
+            </a:r>
+            <a:endParaRPr lang="ko-KR" altLang="en-US" dirty="0">
+              <a:solidFill>
+                <a:srgbClr val="002060"/>
+              </a:solidFill>
+            </a:endParaRPr>
+          </a:p>
+        </p:txBody>
+      </p:sp>
+      <p:sp>
+        <p:nvSpPr>
+          <p:cNvPr id="12" name="직사각형 11"/>
+          <p:cNvSpPr/>
+          <p:nvPr/>
+        </p:nvSpPr>
+        <p:spPr>
+          <a:xfrm>
+            <a:off x="2074251" y="3569675"/>
+            <a:ext cx="854319" cy="369277"/>
+          </a:xfrm>
+          <a:prstGeom prst="rect">
+            <a:avLst/>
+          </a:prstGeom>
+          <a:solidFill>
+            <a:schemeClr val="accent1">
+              <a:lumMod val="40000"/>
+              <a:lumOff val="60000"/>
+            </a:schemeClr>
+          </a:solidFill>
+          <a:ln w="19050">
+            <a:solidFill>
+              <a:schemeClr val="bg1"/>
+            </a:solidFill>
+          </a:ln>
+        </p:spPr>
+        <p:style>
+          <a:lnRef idx="2">
+            <a:schemeClr val="accent1">
+              <a:shade val="50000"/>
+            </a:schemeClr>
+          </a:lnRef>
+          <a:fillRef idx="1">
+            <a:schemeClr val="accent1"/>
+          </a:fillRef>
+          <a:effectRef idx="0">
+            <a:schemeClr val="accent1"/>
+          </a:effectRef>
+          <a:fontRef idx="minor">
+            <a:schemeClr val="lt1"/>
+          </a:fontRef>
+        </p:style>
+        <p:txBody>
+          <a:bodyPr rtlCol="0" anchor="ctr"/>
+          <a:lstStyle/>
+          <a:p>
+            <a:pPr algn="ctr"/>
+            <a:r>
+              <a:rPr lang="en-US" altLang="ko-KR" dirty="0" smtClean="0">
+                <a:solidFill>
+                  <a:srgbClr val="002060"/>
+                </a:solidFill>
+              </a:rPr>
+              <a:t>4</a:t>
+            </a:r>
+            <a:endParaRPr lang="ko-KR" altLang="en-US" dirty="0">
+              <a:solidFill>
+                <a:srgbClr val="002060"/>
+              </a:solidFill>
+            </a:endParaRPr>
+          </a:p>
+        </p:txBody>
+      </p:sp>
+      <p:sp>
+        <p:nvSpPr>
+          <p:cNvPr id="13" name="직사각형 12"/>
+          <p:cNvSpPr/>
+          <p:nvPr/>
+        </p:nvSpPr>
+        <p:spPr>
+          <a:xfrm>
+            <a:off x="2928570" y="3569675"/>
+            <a:ext cx="854319" cy="369277"/>
+          </a:xfrm>
+          <a:prstGeom prst="rect">
+            <a:avLst/>
+          </a:prstGeom>
+          <a:solidFill>
+            <a:schemeClr val="accent1">
+              <a:lumMod val="40000"/>
+              <a:lumOff val="60000"/>
+            </a:schemeClr>
+          </a:solidFill>
+          <a:ln w="19050">
+            <a:solidFill>
+              <a:schemeClr val="bg1"/>
+            </a:solidFill>
+          </a:ln>
+        </p:spPr>
+        <p:style>
+          <a:lnRef idx="2">
+            <a:schemeClr val="accent1">
+              <a:shade val="50000"/>
+            </a:schemeClr>
+          </a:lnRef>
+          <a:fillRef idx="1">
+            <a:schemeClr val="accent1"/>
+          </a:fillRef>
+          <a:effectRef idx="0">
+            <a:schemeClr val="accent1"/>
+          </a:effectRef>
+          <a:fontRef idx="minor">
+            <a:schemeClr val="lt1"/>
+          </a:fontRef>
+        </p:style>
+        <p:txBody>
+          <a:bodyPr rtlCol="0" anchor="ctr"/>
+          <a:lstStyle/>
+          <a:p>
+            <a:pPr algn="ctr"/>
+            <a:r>
+              <a:rPr lang="ko-KR" altLang="en-US" dirty="0" smtClean="0">
+                <a:solidFill>
+                  <a:srgbClr val="002060"/>
+                </a:solidFill>
+              </a:rPr>
+              <a:t>라</a:t>
+            </a:r>
+            <a:endParaRPr lang="ko-KR" altLang="en-US" dirty="0">
+              <a:solidFill>
+                <a:srgbClr val="002060"/>
+              </a:solidFill>
+            </a:endParaRPr>
+          </a:p>
+        </p:txBody>
+      </p:sp>
+      <p:sp>
+        <p:nvSpPr>
+          <p:cNvPr id="14" name="직사각형 13"/>
+          <p:cNvSpPr/>
+          <p:nvPr/>
+        </p:nvSpPr>
+        <p:spPr>
+          <a:xfrm>
+            <a:off x="2074251" y="3938950"/>
+            <a:ext cx="854319" cy="369277"/>
+          </a:xfrm>
+          <a:prstGeom prst="rect">
+            <a:avLst/>
+          </a:prstGeom>
+          <a:solidFill>
+            <a:schemeClr val="accent1">
+              <a:lumMod val="40000"/>
+              <a:lumOff val="60000"/>
+            </a:schemeClr>
+          </a:solidFill>
+          <a:ln w="19050">
+            <a:solidFill>
+              <a:schemeClr val="bg1"/>
+            </a:solidFill>
+          </a:ln>
+        </p:spPr>
+        <p:style>
+          <a:lnRef idx="2">
+            <a:schemeClr val="accent1">
+              <a:shade val="50000"/>
+            </a:schemeClr>
+          </a:lnRef>
+          <a:fillRef idx="1">
+            <a:schemeClr val="accent1"/>
+          </a:fillRef>
+          <a:effectRef idx="0">
+            <a:schemeClr val="accent1"/>
+          </a:effectRef>
+          <a:fontRef idx="minor">
+            <a:schemeClr val="lt1"/>
+          </a:fontRef>
+        </p:style>
+        <p:txBody>
+          <a:bodyPr rtlCol="0" anchor="ctr"/>
+          <a:lstStyle/>
+          <a:p>
+            <a:pPr algn="ctr"/>
+            <a:r>
+              <a:rPr lang="en-US" altLang="ko-KR" dirty="0" smtClean="0">
+                <a:solidFill>
+                  <a:srgbClr val="002060"/>
+                </a:solidFill>
+              </a:rPr>
+              <a:t>5</a:t>
+            </a:r>
+            <a:endParaRPr lang="ko-KR" altLang="en-US" dirty="0">
+              <a:solidFill>
+                <a:srgbClr val="002060"/>
+              </a:solidFill>
+            </a:endParaRPr>
+          </a:p>
+        </p:txBody>
+      </p:sp>
+      <p:sp>
+        <p:nvSpPr>
+          <p:cNvPr id="15" name="직사각형 14"/>
+          <p:cNvSpPr/>
+          <p:nvPr/>
+        </p:nvSpPr>
+        <p:spPr>
+          <a:xfrm>
+            <a:off x="2928570" y="3938950"/>
+            <a:ext cx="854319" cy="369277"/>
+          </a:xfrm>
+          <a:prstGeom prst="rect">
+            <a:avLst/>
+          </a:prstGeom>
+          <a:solidFill>
+            <a:schemeClr val="accent1">
+              <a:lumMod val="40000"/>
+              <a:lumOff val="60000"/>
+            </a:schemeClr>
+          </a:solidFill>
+          <a:ln w="19050">
+            <a:solidFill>
+              <a:schemeClr val="bg1"/>
+            </a:solidFill>
+          </a:ln>
+        </p:spPr>
+        <p:style>
+          <a:lnRef idx="2">
+            <a:schemeClr val="accent1">
+              <a:shade val="50000"/>
+            </a:schemeClr>
+          </a:lnRef>
+          <a:fillRef idx="1">
+            <a:schemeClr val="accent1"/>
+          </a:fillRef>
+          <a:effectRef idx="0">
+            <a:schemeClr val="accent1"/>
+          </a:effectRef>
+          <a:fontRef idx="minor">
+            <a:schemeClr val="lt1"/>
+          </a:fontRef>
+        </p:style>
+        <p:txBody>
+          <a:bodyPr rtlCol="0" anchor="ctr"/>
+          <a:lstStyle/>
+          <a:p>
+            <a:pPr algn="ctr"/>
+            <a:r>
+              <a:rPr lang="ko-KR" altLang="en-US" dirty="0" smtClean="0">
+                <a:solidFill>
+                  <a:srgbClr val="002060"/>
+                </a:solidFill>
+              </a:rPr>
+              <a:t>마</a:t>
+            </a:r>
+            <a:endParaRPr lang="ko-KR" altLang="en-US" dirty="0">
+              <a:solidFill>
+                <a:srgbClr val="002060"/>
+              </a:solidFill>
+            </a:endParaRPr>
+          </a:p>
+        </p:txBody>
+      </p:sp>
+      <p:sp>
+        <p:nvSpPr>
+          <p:cNvPr id="16" name="굽은 화살표 15"/>
+          <p:cNvSpPr/>
+          <p:nvPr/>
+        </p:nvSpPr>
+        <p:spPr>
+          <a:xfrm>
+            <a:off x="2757488" y="1319945"/>
+            <a:ext cx="1343025" cy="638175"/>
+          </a:xfrm>
+          <a:prstGeom prst="bentArrow">
+            <a:avLst>
+              <a:gd name="adj1" fmla="val 36475"/>
+              <a:gd name="adj2" fmla="val 25000"/>
+              <a:gd name="adj3" fmla="val 25000"/>
+              <a:gd name="adj4" fmla="val 43750"/>
+            </a:avLst>
+          </a:prstGeom>
+        </p:spPr>
+        <p:style>
+          <a:lnRef idx="2">
+            <a:schemeClr val="accent1">
+              <a:shade val="50000"/>
+            </a:schemeClr>
+          </a:lnRef>
+          <a:fillRef idx="1">
+            <a:schemeClr val="accent1"/>
+          </a:fillRef>
+          <a:effectRef idx="0">
+            <a:schemeClr val="accent1"/>
+          </a:effectRef>
+          <a:fontRef idx="minor">
+            <a:schemeClr val="lt1"/>
+          </a:fontRef>
+        </p:style>
+        <p:txBody>
+          <a:bodyPr rtlCol="0" anchor="ctr"/>
+          <a:lstStyle/>
+          <a:p>
+            <a:pPr algn="ctr"/>
+            <a:endParaRPr lang="ko-KR" altLang="en-US" dirty="0">
+              <a:solidFill>
+                <a:schemeClr val="tx1"/>
+              </a:solidFill>
+            </a:endParaRPr>
+          </a:p>
+        </p:txBody>
+      </p:sp>
+      <p:sp>
+        <p:nvSpPr>
+          <p:cNvPr id="17" name="굽은 화살표 16"/>
+          <p:cNvSpPr/>
+          <p:nvPr/>
+        </p:nvSpPr>
+        <p:spPr>
+          <a:xfrm flipV="1">
+            <a:off x="2757488" y="4444145"/>
+            <a:ext cx="1343025" cy="638175"/>
+          </a:xfrm>
+          <a:prstGeom prst="bentArrow">
+            <a:avLst>
+              <a:gd name="adj1" fmla="val 36475"/>
+              <a:gd name="adj2" fmla="val 25000"/>
+              <a:gd name="adj3" fmla="val 25000"/>
+              <a:gd name="adj4" fmla="val 43750"/>
+            </a:avLst>
+          </a:prstGeom>
+        </p:spPr>
+        <p:style>
+          <a:lnRef idx="2">
+            <a:schemeClr val="accent1">
+              <a:shade val="50000"/>
+            </a:schemeClr>
+          </a:lnRef>
+          <a:fillRef idx="1">
+            <a:schemeClr val="accent1"/>
+          </a:fillRef>
+          <a:effectRef idx="0">
+            <a:schemeClr val="accent1"/>
+          </a:effectRef>
+          <a:fontRef idx="minor">
+            <a:schemeClr val="lt1"/>
+          </a:fontRef>
+        </p:style>
+        <p:txBody>
+          <a:bodyPr rtlCol="0" anchor="ctr"/>
+          <a:lstStyle/>
+          <a:p>
+            <a:pPr algn="ctr"/>
+            <a:endParaRPr lang="ko-KR" altLang="en-US">
+              <a:solidFill>
+                <a:schemeClr val="tx1"/>
+              </a:solidFill>
+            </a:endParaRPr>
+          </a:p>
+        </p:txBody>
+      </p:sp>
+      <p:sp>
+        <p:nvSpPr>
+          <p:cNvPr id="18" name="TextBox 17"/>
+          <p:cNvSpPr txBox="1"/>
+          <p:nvPr/>
+        </p:nvSpPr>
+        <p:spPr>
+          <a:xfrm>
+            <a:off x="2609849" y="950641"/>
+            <a:ext cx="1742347" cy="369332"/>
+          </a:xfrm>
+          <a:prstGeom prst="rect">
+            <a:avLst/>
+          </a:prstGeom>
+          <a:noFill/>
+        </p:spPr>
+        <p:txBody>
+          <a:bodyPr wrap="square" rtlCol="0">
+            <a:spAutoFit/>
+          </a:bodyPr>
+          <a:lstStyle/>
+          <a:p>
+            <a:pPr algn="ctr"/>
+            <a:r>
+              <a:rPr lang="ko-KR" altLang="en-US" dirty="0" smtClean="0"/>
+              <a:t>열 액세스</a:t>
+            </a:r>
+            <a:endParaRPr lang="ko-KR" altLang="en-US" dirty="0"/>
+          </a:p>
+        </p:txBody>
+      </p:sp>
+      <p:sp>
+        <p:nvSpPr>
+          <p:cNvPr id="19" name="TextBox 18"/>
+          <p:cNvSpPr txBox="1"/>
+          <p:nvPr/>
+        </p:nvSpPr>
+        <p:spPr>
+          <a:xfrm>
+            <a:off x="2659855" y="5218181"/>
+            <a:ext cx="1538290" cy="369332"/>
+          </a:xfrm>
+          <a:prstGeom prst="rect">
+            <a:avLst/>
+          </a:prstGeom>
+          <a:noFill/>
+        </p:spPr>
+        <p:txBody>
+          <a:bodyPr wrap="square" rtlCol="0">
+            <a:spAutoFit/>
+          </a:bodyPr>
+          <a:lstStyle/>
+          <a:p>
+            <a:pPr algn="ctr"/>
+            <a:r>
+              <a:rPr lang="ko-KR" altLang="en-US" dirty="0" smtClean="0"/>
+              <a:t>행 액세스</a:t>
+            </a:r>
+            <a:endParaRPr lang="ko-KR" altLang="en-US" dirty="0"/>
+          </a:p>
+        </p:txBody>
+      </p:sp>
+      <p:sp>
+        <p:nvSpPr>
+          <p:cNvPr id="20" name="TextBox 19"/>
+          <p:cNvSpPr txBox="1"/>
+          <p:nvPr/>
+        </p:nvSpPr>
+        <p:spPr>
+          <a:xfrm>
+            <a:off x="1504949" y="3034830"/>
+            <a:ext cx="588351" cy="369332"/>
+          </a:xfrm>
+          <a:prstGeom prst="rect">
+            <a:avLst/>
+          </a:prstGeom>
+          <a:noFill/>
+        </p:spPr>
+        <p:txBody>
+          <a:bodyPr wrap="square" rtlCol="0">
+            <a:spAutoFit/>
+          </a:bodyPr>
+          <a:lstStyle/>
+          <a:p>
+            <a:pPr algn="ctr"/>
+            <a:r>
+              <a:rPr lang="en-US" altLang="ko-KR" dirty="0" smtClean="0"/>
+              <a:t>df</a:t>
+            </a:r>
+            <a:endParaRPr lang="ko-KR" altLang="en-US" dirty="0"/>
+          </a:p>
+        </p:txBody>
+      </p:sp>
+      <p:grpSp>
+        <p:nvGrpSpPr>
+          <p:cNvPr id="186" name="그룹 185"/>
+          <p:cNvGrpSpPr/>
+          <p:nvPr/>
+        </p:nvGrpSpPr>
+        <p:grpSpPr>
+          <a:xfrm>
+            <a:off x="4248152" y="807654"/>
+            <a:ext cx="3246904" cy="5154763"/>
+            <a:chOff x="7947701" y="849379"/>
+            <a:chExt cx="3246904" cy="5154763"/>
+          </a:xfrm>
+        </p:grpSpPr>
+        <p:sp>
+          <p:nvSpPr>
+            <p:cNvPr id="168" name="모서리가 둥근 직사각형 167"/>
+            <p:cNvSpPr/>
+            <p:nvPr/>
+          </p:nvSpPr>
+          <p:spPr>
+            <a:xfrm>
+              <a:off x="7947701" y="849379"/>
+              <a:ext cx="3246904" cy="4738134"/>
+            </a:xfrm>
+            <a:prstGeom prst="roundRect">
+              <a:avLst>
+                <a:gd name="adj" fmla="val 9040"/>
+              </a:avLst>
+            </a:prstGeom>
+            <a:solidFill>
+              <a:schemeClr val="tx2">
+                <a:lumMod val="20000"/>
+                <a:lumOff val="80000"/>
+              </a:schemeClr>
+            </a:solidFill>
+            <a:ln>
+              <a:noFill/>
+            </a:ln>
+          </p:spPr>
+          <p:style>
+            <a:lnRef idx="2">
+              <a:schemeClr val="accent1">
+                <a:shade val="50000"/>
+              </a:schemeClr>
+            </a:lnRef>
+            <a:fillRef idx="1">
+              <a:schemeClr val="accent1"/>
+            </a:fillRef>
+            <a:effectRef idx="0">
+              <a:schemeClr val="accent1"/>
+            </a:effectRef>
+            <a:fontRef idx="minor">
+              <a:schemeClr val="lt1"/>
+            </a:fontRef>
+          </p:style>
+          <p:txBody>
+            <a:bodyPr rtlCol="0" anchor="ctr"/>
+            <a:lstStyle/>
+            <a:p>
+              <a:pPr algn="ctr"/>
+              <a:endParaRPr lang="ko-KR" altLang="en-US"/>
+            </a:p>
+          </p:txBody>
+        </p:sp>
+        <p:sp>
+          <p:nvSpPr>
+            <p:cNvPr id="22" name="TextBox 21"/>
+            <p:cNvSpPr txBox="1"/>
+            <p:nvPr/>
+          </p:nvSpPr>
+          <p:spPr>
+            <a:xfrm>
+              <a:off x="8279793" y="849379"/>
+              <a:ext cx="1038226" cy="369332"/>
+            </a:xfrm>
+            <a:prstGeom prst="rect">
+              <a:avLst/>
+            </a:prstGeom>
+            <a:noFill/>
+          </p:spPr>
+          <p:txBody>
+            <a:bodyPr wrap="square" rtlCol="0">
+              <a:spAutoFit/>
+            </a:bodyPr>
+            <a:lstStyle/>
+            <a:p>
+              <a:pPr algn="ctr"/>
+              <a:r>
+                <a:rPr lang="en-US" altLang="ko-KR" dirty="0" smtClean="0"/>
+                <a:t>df[,2]</a:t>
+              </a:r>
+              <a:endParaRPr lang="ko-KR" altLang="en-US" dirty="0"/>
+            </a:p>
+          </p:txBody>
+        </p:sp>
+        <p:grpSp>
+          <p:nvGrpSpPr>
+            <p:cNvPr id="36" name="그룹 35"/>
+            <p:cNvGrpSpPr/>
+            <p:nvPr/>
+          </p:nvGrpSpPr>
+          <p:grpSpPr>
+            <a:xfrm>
+              <a:off x="8154869" y="1254415"/>
+              <a:ext cx="1288074" cy="1774581"/>
+              <a:chOff x="7560651" y="835269"/>
+              <a:chExt cx="1708638" cy="2215658"/>
+            </a:xfrm>
+          </p:grpSpPr>
+          <p:sp>
+            <p:nvSpPr>
+              <p:cNvPr id="37" name="직사각형 36"/>
+              <p:cNvSpPr/>
+              <p:nvPr/>
+            </p:nvSpPr>
+            <p:spPr>
+              <a:xfrm>
+                <a:off x="7560651" y="835269"/>
+                <a:ext cx="854319" cy="369277"/>
+              </a:xfrm>
+              <a:prstGeom prst="rect">
+                <a:avLst/>
+              </a:prstGeom>
+              <a:ln w="19050">
+                <a:solidFill>
+                  <a:schemeClr val="bg1"/>
+                </a:solidFill>
+              </a:ln>
+            </p:spPr>
+            <p:style>
+              <a:lnRef idx="2">
+                <a:schemeClr val="accent1">
+                  <a:shade val="50000"/>
+                </a:schemeClr>
+              </a:lnRef>
+              <a:fillRef idx="1">
+                <a:schemeClr val="accent1"/>
+              </a:fillRef>
+              <a:effectRef idx="0">
+                <a:schemeClr val="accent1"/>
+              </a:effectRef>
+              <a:fontRef idx="minor">
+                <a:schemeClr val="lt1"/>
+              </a:fontRef>
+            </p:style>
+            <p:txBody>
+              <a:bodyPr rtlCol="0" anchor="ctr"/>
+              <a:lstStyle/>
+              <a:p>
+                <a:pPr algn="ctr"/>
+                <a:endParaRPr lang="ko-KR" altLang="en-US" dirty="0"/>
+              </a:p>
+            </p:txBody>
+          </p:sp>
+          <p:sp>
+            <p:nvSpPr>
+              <p:cNvPr id="38" name="직사각형 37"/>
+              <p:cNvSpPr/>
+              <p:nvPr/>
+            </p:nvSpPr>
+            <p:spPr>
+              <a:xfrm>
+                <a:off x="8414970" y="835269"/>
+                <a:ext cx="854319" cy="369277"/>
+              </a:xfrm>
+              <a:prstGeom prst="rect">
+                <a:avLst/>
+              </a:prstGeom>
+              <a:ln w="19050">
+                <a:solidFill>
+                  <a:schemeClr val="bg1"/>
+                </a:solidFill>
+              </a:ln>
+            </p:spPr>
+            <p:style>
+              <a:lnRef idx="2">
+                <a:schemeClr val="accent1">
+                  <a:shade val="50000"/>
+                </a:schemeClr>
+              </a:lnRef>
+              <a:fillRef idx="1">
+                <a:schemeClr val="accent1"/>
+              </a:fillRef>
+              <a:effectRef idx="0">
+                <a:schemeClr val="accent1"/>
+              </a:effectRef>
+              <a:fontRef idx="minor">
+                <a:schemeClr val="lt1"/>
+              </a:fontRef>
+            </p:style>
+            <p:txBody>
+              <a:bodyPr rtlCol="0" anchor="ctr"/>
+              <a:lstStyle/>
+              <a:p>
+                <a:pPr algn="ctr"/>
+                <a:endParaRPr lang="ko-KR" altLang="en-US" spc="-150" dirty="0"/>
+              </a:p>
+            </p:txBody>
+          </p:sp>
+          <p:sp>
+            <p:nvSpPr>
+              <p:cNvPr id="39" name="직사각형 38"/>
+              <p:cNvSpPr/>
+              <p:nvPr/>
+            </p:nvSpPr>
+            <p:spPr>
+              <a:xfrm>
+                <a:off x="7560651" y="1204546"/>
+                <a:ext cx="854319" cy="369277"/>
+              </a:xfrm>
+              <a:prstGeom prst="rect">
+                <a:avLst/>
+              </a:prstGeom>
+              <a:solidFill>
+                <a:schemeClr val="accent1">
+                  <a:lumMod val="40000"/>
+                  <a:lumOff val="60000"/>
+                </a:schemeClr>
+              </a:solidFill>
+              <a:ln w="19050">
+                <a:solidFill>
+                  <a:schemeClr val="bg1"/>
+                </a:solidFill>
+              </a:ln>
+            </p:spPr>
+            <p:style>
+              <a:lnRef idx="2">
+                <a:schemeClr val="accent1">
+                  <a:shade val="50000"/>
+                </a:schemeClr>
+              </a:lnRef>
+              <a:fillRef idx="1">
+                <a:schemeClr val="accent1"/>
+              </a:fillRef>
+              <a:effectRef idx="0">
+                <a:schemeClr val="accent1"/>
+              </a:effectRef>
+              <a:fontRef idx="minor">
+                <a:schemeClr val="lt1"/>
+              </a:fontRef>
+            </p:style>
+            <p:txBody>
+              <a:bodyPr rtlCol="0" anchor="ctr"/>
+              <a:lstStyle/>
+              <a:p>
+                <a:pPr algn="ctr"/>
+                <a:endParaRPr lang="ko-KR" altLang="en-US" dirty="0">
+                  <a:solidFill>
+                    <a:srgbClr val="002060"/>
+                  </a:solidFill>
+                </a:endParaRPr>
+              </a:p>
+            </p:txBody>
+          </p:sp>
+          <p:sp>
+            <p:nvSpPr>
+              <p:cNvPr id="40" name="직사각형 39"/>
+              <p:cNvSpPr/>
+              <p:nvPr/>
+            </p:nvSpPr>
+            <p:spPr>
+              <a:xfrm>
+                <a:off x="8414970" y="1204546"/>
+                <a:ext cx="854319" cy="369277"/>
+              </a:xfrm>
+              <a:prstGeom prst="rect">
+                <a:avLst/>
+              </a:prstGeom>
+              <a:solidFill>
+                <a:schemeClr val="accent1">
+                  <a:lumMod val="40000"/>
+                  <a:lumOff val="60000"/>
+                </a:schemeClr>
+              </a:solidFill>
+              <a:ln w="19050">
+                <a:solidFill>
+                  <a:schemeClr val="bg1"/>
+                </a:solidFill>
+              </a:ln>
+            </p:spPr>
+            <p:style>
+              <a:lnRef idx="2">
+                <a:schemeClr val="accent1">
+                  <a:shade val="50000"/>
+                </a:schemeClr>
+              </a:lnRef>
+              <a:fillRef idx="1">
+                <a:schemeClr val="accent1"/>
+              </a:fillRef>
+              <a:effectRef idx="0">
+                <a:schemeClr val="accent1"/>
+              </a:effectRef>
+              <a:fontRef idx="minor">
+                <a:schemeClr val="lt1"/>
+              </a:fontRef>
+            </p:style>
+            <p:txBody>
+              <a:bodyPr rtlCol="0" anchor="ctr"/>
+              <a:lstStyle/>
+              <a:p>
+                <a:pPr algn="ctr"/>
+                <a:endParaRPr lang="ko-KR" altLang="en-US" dirty="0">
+                  <a:solidFill>
+                    <a:srgbClr val="002060"/>
+                  </a:solidFill>
+                </a:endParaRPr>
+              </a:p>
+            </p:txBody>
+          </p:sp>
+          <p:sp>
+            <p:nvSpPr>
+              <p:cNvPr id="41" name="직사각형 40"/>
+              <p:cNvSpPr/>
+              <p:nvPr/>
+            </p:nvSpPr>
+            <p:spPr>
+              <a:xfrm>
+                <a:off x="7560651" y="1573822"/>
+                <a:ext cx="854319" cy="369277"/>
+              </a:xfrm>
+              <a:prstGeom prst="rect">
+                <a:avLst/>
+              </a:prstGeom>
+              <a:solidFill>
+                <a:schemeClr val="accent1">
+                  <a:lumMod val="40000"/>
+                  <a:lumOff val="60000"/>
+                </a:schemeClr>
+              </a:solidFill>
+              <a:ln w="19050">
+                <a:solidFill>
+                  <a:schemeClr val="bg1"/>
+                </a:solidFill>
+              </a:ln>
+            </p:spPr>
+            <p:style>
+              <a:lnRef idx="2">
+                <a:schemeClr val="accent1">
+                  <a:shade val="50000"/>
+                </a:schemeClr>
+              </a:lnRef>
+              <a:fillRef idx="1">
+                <a:schemeClr val="accent1"/>
+              </a:fillRef>
+              <a:effectRef idx="0">
+                <a:schemeClr val="accent1"/>
+              </a:effectRef>
+              <a:fontRef idx="minor">
+                <a:schemeClr val="lt1"/>
+              </a:fontRef>
+            </p:style>
+            <p:txBody>
+              <a:bodyPr rtlCol="0" anchor="ctr"/>
+              <a:lstStyle/>
+              <a:p>
+                <a:pPr algn="ctr"/>
+                <a:endParaRPr lang="ko-KR" altLang="en-US" dirty="0">
+                  <a:solidFill>
+                    <a:srgbClr val="002060"/>
+                  </a:solidFill>
+                </a:endParaRPr>
+              </a:p>
+            </p:txBody>
+          </p:sp>
+          <p:sp>
+            <p:nvSpPr>
+              <p:cNvPr id="42" name="직사각형 41"/>
+              <p:cNvSpPr/>
+              <p:nvPr/>
+            </p:nvSpPr>
+            <p:spPr>
+              <a:xfrm>
+                <a:off x="8414970" y="1573822"/>
+                <a:ext cx="854319" cy="369277"/>
+              </a:xfrm>
+              <a:prstGeom prst="rect">
+                <a:avLst/>
+              </a:prstGeom>
+              <a:solidFill>
+                <a:schemeClr val="accent1">
+                  <a:lumMod val="40000"/>
+                  <a:lumOff val="60000"/>
+                </a:schemeClr>
+              </a:solidFill>
+              <a:ln w="19050">
+                <a:solidFill>
+                  <a:schemeClr val="bg1"/>
+                </a:solidFill>
+              </a:ln>
+            </p:spPr>
+            <p:style>
+              <a:lnRef idx="2">
+                <a:schemeClr val="accent1">
+                  <a:shade val="50000"/>
+                </a:schemeClr>
+              </a:lnRef>
+              <a:fillRef idx="1">
+                <a:schemeClr val="accent1"/>
+              </a:fillRef>
+              <a:effectRef idx="0">
+                <a:schemeClr val="accent1"/>
+              </a:effectRef>
+              <a:fontRef idx="minor">
+                <a:schemeClr val="lt1"/>
+              </a:fontRef>
+            </p:style>
+            <p:txBody>
+              <a:bodyPr rtlCol="0" anchor="ctr"/>
+              <a:lstStyle/>
+              <a:p>
+                <a:pPr algn="ctr"/>
+                <a:endParaRPr lang="ko-KR" altLang="en-US" dirty="0">
+                  <a:solidFill>
+                    <a:srgbClr val="002060"/>
+                  </a:solidFill>
+                </a:endParaRPr>
+              </a:p>
+            </p:txBody>
+          </p:sp>
+          <p:sp>
+            <p:nvSpPr>
+              <p:cNvPr id="43" name="직사각형 42"/>
+              <p:cNvSpPr/>
+              <p:nvPr/>
+            </p:nvSpPr>
+            <p:spPr>
+              <a:xfrm>
+                <a:off x="7560651" y="1943098"/>
+                <a:ext cx="854319" cy="369277"/>
+              </a:xfrm>
+              <a:prstGeom prst="rect">
+                <a:avLst/>
+              </a:prstGeom>
+              <a:solidFill>
+                <a:schemeClr val="accent1">
+                  <a:lumMod val="40000"/>
+                  <a:lumOff val="60000"/>
+                </a:schemeClr>
+              </a:solidFill>
+              <a:ln w="19050">
+                <a:solidFill>
+                  <a:schemeClr val="bg1"/>
+                </a:solidFill>
+              </a:ln>
+            </p:spPr>
+            <p:style>
+              <a:lnRef idx="2">
+                <a:schemeClr val="accent1">
+                  <a:shade val="50000"/>
+                </a:schemeClr>
+              </a:lnRef>
+              <a:fillRef idx="1">
+                <a:schemeClr val="accent1"/>
+              </a:fillRef>
+              <a:effectRef idx="0">
+                <a:schemeClr val="accent1"/>
+              </a:effectRef>
+              <a:fontRef idx="minor">
+                <a:schemeClr val="lt1"/>
+              </a:fontRef>
+            </p:style>
+            <p:txBody>
+              <a:bodyPr rtlCol="0" anchor="ctr"/>
+              <a:lstStyle/>
+              <a:p>
+                <a:pPr algn="ctr"/>
+                <a:endParaRPr lang="ko-KR" altLang="en-US" dirty="0">
+                  <a:solidFill>
+                    <a:srgbClr val="002060"/>
+                  </a:solidFill>
+                </a:endParaRPr>
+              </a:p>
+            </p:txBody>
+          </p:sp>
+          <p:sp>
+            <p:nvSpPr>
+              <p:cNvPr id="44" name="직사각형 43"/>
+              <p:cNvSpPr/>
+              <p:nvPr/>
+            </p:nvSpPr>
+            <p:spPr>
+              <a:xfrm>
+                <a:off x="8414970" y="1943098"/>
+                <a:ext cx="854319" cy="369277"/>
+              </a:xfrm>
+              <a:prstGeom prst="rect">
+                <a:avLst/>
+              </a:prstGeom>
+              <a:solidFill>
+                <a:schemeClr val="accent1">
+                  <a:lumMod val="40000"/>
+                  <a:lumOff val="60000"/>
+                </a:schemeClr>
+              </a:solidFill>
+              <a:ln w="19050">
+                <a:solidFill>
+                  <a:schemeClr val="bg1"/>
+                </a:solidFill>
+              </a:ln>
+            </p:spPr>
+            <p:style>
+              <a:lnRef idx="2">
+                <a:schemeClr val="accent1">
+                  <a:shade val="50000"/>
+                </a:schemeClr>
+              </a:lnRef>
+              <a:fillRef idx="1">
+                <a:schemeClr val="accent1"/>
+              </a:fillRef>
+              <a:effectRef idx="0">
+                <a:schemeClr val="accent1"/>
+              </a:effectRef>
+              <a:fontRef idx="minor">
+                <a:schemeClr val="lt1"/>
+              </a:fontRef>
+            </p:style>
+            <p:txBody>
+              <a:bodyPr rtlCol="0" anchor="ctr"/>
+              <a:lstStyle/>
+              <a:p>
+                <a:pPr algn="ctr"/>
+                <a:endParaRPr lang="ko-KR" altLang="en-US" dirty="0">
+                  <a:solidFill>
+                    <a:srgbClr val="002060"/>
+                  </a:solidFill>
+                </a:endParaRPr>
+              </a:p>
+            </p:txBody>
+          </p:sp>
+          <p:sp>
+            <p:nvSpPr>
+              <p:cNvPr id="45" name="직사각형 44"/>
+              <p:cNvSpPr/>
+              <p:nvPr/>
+            </p:nvSpPr>
+            <p:spPr>
+              <a:xfrm>
+                <a:off x="7560651" y="2312375"/>
+                <a:ext cx="854319" cy="369277"/>
+              </a:xfrm>
+              <a:prstGeom prst="rect">
+                <a:avLst/>
+              </a:prstGeom>
+              <a:solidFill>
+                <a:schemeClr val="accent1">
+                  <a:lumMod val="40000"/>
+                  <a:lumOff val="60000"/>
+                </a:schemeClr>
+              </a:solidFill>
+              <a:ln w="19050">
+                <a:solidFill>
+                  <a:schemeClr val="bg1"/>
+                </a:solidFill>
+              </a:ln>
+            </p:spPr>
+            <p:style>
+              <a:lnRef idx="2">
+                <a:schemeClr val="accent1">
+                  <a:shade val="50000"/>
+                </a:schemeClr>
+              </a:lnRef>
+              <a:fillRef idx="1">
+                <a:schemeClr val="accent1"/>
+              </a:fillRef>
+              <a:effectRef idx="0">
+                <a:schemeClr val="accent1"/>
+              </a:effectRef>
+              <a:fontRef idx="minor">
+                <a:schemeClr val="lt1"/>
+              </a:fontRef>
+            </p:style>
+            <p:txBody>
+              <a:bodyPr rtlCol="0" anchor="ctr"/>
+              <a:lstStyle/>
+              <a:p>
+                <a:pPr algn="ctr"/>
+                <a:endParaRPr lang="ko-KR" altLang="en-US" dirty="0">
+                  <a:solidFill>
+                    <a:srgbClr val="002060"/>
+                  </a:solidFill>
+                </a:endParaRPr>
+              </a:p>
+            </p:txBody>
+          </p:sp>
+          <p:sp>
+            <p:nvSpPr>
+              <p:cNvPr id="46" name="직사각형 45"/>
+              <p:cNvSpPr/>
+              <p:nvPr/>
+            </p:nvSpPr>
+            <p:spPr>
+              <a:xfrm>
+                <a:off x="8414970" y="2312375"/>
+                <a:ext cx="854319" cy="369277"/>
+              </a:xfrm>
+              <a:prstGeom prst="rect">
+                <a:avLst/>
+              </a:prstGeom>
+              <a:solidFill>
+                <a:schemeClr val="accent1">
+                  <a:lumMod val="40000"/>
+                  <a:lumOff val="60000"/>
+                </a:schemeClr>
+              </a:solidFill>
+              <a:ln w="19050">
+                <a:solidFill>
+                  <a:schemeClr val="bg1"/>
+                </a:solidFill>
+              </a:ln>
+            </p:spPr>
+            <p:style>
+              <a:lnRef idx="2">
+                <a:schemeClr val="accent1">
+                  <a:shade val="50000"/>
+                </a:schemeClr>
+              </a:lnRef>
+              <a:fillRef idx="1">
+                <a:schemeClr val="accent1"/>
+              </a:fillRef>
+              <a:effectRef idx="0">
+                <a:schemeClr val="accent1"/>
+              </a:effectRef>
+              <a:fontRef idx="minor">
+                <a:schemeClr val="lt1"/>
+              </a:fontRef>
+            </p:style>
+            <p:txBody>
+              <a:bodyPr rtlCol="0" anchor="ctr"/>
+              <a:lstStyle/>
+              <a:p>
+                <a:pPr algn="ctr"/>
+                <a:endParaRPr lang="ko-KR" altLang="en-US" dirty="0">
+                  <a:solidFill>
+                    <a:srgbClr val="002060"/>
+                  </a:solidFill>
+                </a:endParaRPr>
+              </a:p>
+            </p:txBody>
+          </p:sp>
+          <p:sp>
+            <p:nvSpPr>
+              <p:cNvPr id="47" name="직사각형 46"/>
+              <p:cNvSpPr/>
+              <p:nvPr/>
+            </p:nvSpPr>
+            <p:spPr>
+              <a:xfrm>
+                <a:off x="7560651" y="2681650"/>
+                <a:ext cx="854319" cy="369277"/>
+              </a:xfrm>
+              <a:prstGeom prst="rect">
+                <a:avLst/>
+              </a:prstGeom>
+              <a:solidFill>
+                <a:schemeClr val="accent1">
+                  <a:lumMod val="40000"/>
+                  <a:lumOff val="60000"/>
+                </a:schemeClr>
+              </a:solidFill>
+              <a:ln w="19050">
+                <a:solidFill>
+                  <a:schemeClr val="bg1"/>
+                </a:solidFill>
+              </a:ln>
+            </p:spPr>
+            <p:style>
+              <a:lnRef idx="2">
+                <a:schemeClr val="accent1">
+                  <a:shade val="50000"/>
+                </a:schemeClr>
+              </a:lnRef>
+              <a:fillRef idx="1">
+                <a:schemeClr val="accent1"/>
+              </a:fillRef>
+              <a:effectRef idx="0">
+                <a:schemeClr val="accent1"/>
+              </a:effectRef>
+              <a:fontRef idx="minor">
+                <a:schemeClr val="lt1"/>
+              </a:fontRef>
+            </p:style>
+            <p:txBody>
+              <a:bodyPr rtlCol="0" anchor="ctr"/>
+              <a:lstStyle/>
+              <a:p>
+                <a:pPr algn="ctr"/>
+                <a:endParaRPr lang="ko-KR" altLang="en-US" dirty="0">
+                  <a:solidFill>
+                    <a:srgbClr val="002060"/>
+                  </a:solidFill>
+                </a:endParaRPr>
+              </a:p>
+            </p:txBody>
+          </p:sp>
+          <p:sp>
+            <p:nvSpPr>
+              <p:cNvPr id="48" name="직사각형 47"/>
+              <p:cNvSpPr/>
+              <p:nvPr/>
+            </p:nvSpPr>
+            <p:spPr>
+              <a:xfrm>
+                <a:off x="8414970" y="2681650"/>
+                <a:ext cx="854319" cy="369277"/>
+              </a:xfrm>
+              <a:prstGeom prst="rect">
+                <a:avLst/>
+              </a:prstGeom>
+              <a:solidFill>
+                <a:schemeClr val="accent1">
+                  <a:lumMod val="40000"/>
+                  <a:lumOff val="60000"/>
+                </a:schemeClr>
+              </a:solidFill>
+              <a:ln w="19050">
+                <a:solidFill>
+                  <a:schemeClr val="bg1"/>
+                </a:solidFill>
+              </a:ln>
+            </p:spPr>
+            <p:style>
+              <a:lnRef idx="2">
+                <a:schemeClr val="accent1">
+                  <a:shade val="50000"/>
+                </a:schemeClr>
+              </a:lnRef>
+              <a:fillRef idx="1">
+                <a:schemeClr val="accent1"/>
+              </a:fillRef>
+              <a:effectRef idx="0">
+                <a:schemeClr val="accent1"/>
+              </a:effectRef>
+              <a:fontRef idx="minor">
+                <a:schemeClr val="lt1"/>
+              </a:fontRef>
+            </p:style>
+            <p:txBody>
+              <a:bodyPr rtlCol="0" anchor="ctr"/>
+              <a:lstStyle/>
+              <a:p>
+                <a:pPr algn="ctr"/>
+                <a:endParaRPr lang="ko-KR" altLang="en-US" dirty="0">
+                  <a:solidFill>
+                    <a:srgbClr val="002060"/>
+                  </a:solidFill>
+                </a:endParaRPr>
+              </a:p>
+            </p:txBody>
+          </p:sp>
+        </p:grpSp>
+        <p:sp>
+          <p:nvSpPr>
+            <p:cNvPr id="50" name="모서리가 둥근 직사각형 49"/>
+            <p:cNvSpPr/>
+            <p:nvPr/>
+          </p:nvSpPr>
+          <p:spPr>
+            <a:xfrm>
+              <a:off x="8730399" y="1188961"/>
+              <a:ext cx="781050" cy="1905489"/>
+            </a:xfrm>
+            <a:prstGeom prst="roundRect">
+              <a:avLst/>
+            </a:prstGeom>
+            <a:noFill/>
+            <a:ln w="25400">
+              <a:solidFill>
+                <a:srgbClr val="FF0000"/>
+              </a:solidFill>
+            </a:ln>
+          </p:spPr>
+          <p:style>
+            <a:lnRef idx="2">
+              <a:schemeClr val="accent1">
+                <a:shade val="50000"/>
+              </a:schemeClr>
+            </a:lnRef>
+            <a:fillRef idx="1">
+              <a:schemeClr val="accent1"/>
+            </a:fillRef>
+            <a:effectRef idx="0">
+              <a:schemeClr val="accent1"/>
+            </a:effectRef>
+            <a:fontRef idx="minor">
+              <a:schemeClr val="lt1"/>
+            </a:fontRef>
+          </p:style>
+          <p:txBody>
+            <a:bodyPr rtlCol="0" anchor="ctr"/>
+            <a:lstStyle/>
+            <a:p>
+              <a:pPr algn="ctr"/>
+              <a:endParaRPr lang="ko-KR" altLang="en-US"/>
+            </a:p>
+          </p:txBody>
+        </p:sp>
+        <p:grpSp>
+          <p:nvGrpSpPr>
+            <p:cNvPr id="64" name="그룹 63"/>
+            <p:cNvGrpSpPr/>
+            <p:nvPr/>
+          </p:nvGrpSpPr>
+          <p:grpSpPr>
+            <a:xfrm>
+              <a:off x="8153407" y="3295283"/>
+              <a:ext cx="1288074" cy="1774581"/>
+              <a:chOff x="7560651" y="835269"/>
+              <a:chExt cx="1708638" cy="2215658"/>
+            </a:xfrm>
+          </p:grpSpPr>
+          <p:sp>
+            <p:nvSpPr>
+              <p:cNvPr id="65" name="직사각형 64"/>
+              <p:cNvSpPr/>
+              <p:nvPr/>
+            </p:nvSpPr>
+            <p:spPr>
+              <a:xfrm>
+                <a:off x="7560651" y="835269"/>
+                <a:ext cx="854319" cy="369277"/>
+              </a:xfrm>
+              <a:prstGeom prst="rect">
+                <a:avLst/>
+              </a:prstGeom>
+              <a:ln w="19050">
+                <a:solidFill>
+                  <a:schemeClr val="bg1"/>
+                </a:solidFill>
+              </a:ln>
+            </p:spPr>
+            <p:style>
+              <a:lnRef idx="2">
+                <a:schemeClr val="accent1">
+                  <a:shade val="50000"/>
+                </a:schemeClr>
+              </a:lnRef>
+              <a:fillRef idx="1">
+                <a:schemeClr val="accent1"/>
+              </a:fillRef>
+              <a:effectRef idx="0">
+                <a:schemeClr val="accent1"/>
+              </a:effectRef>
+              <a:fontRef idx="minor">
+                <a:schemeClr val="lt1"/>
+              </a:fontRef>
+            </p:style>
+            <p:txBody>
+              <a:bodyPr rtlCol="0" anchor="ctr"/>
+              <a:lstStyle/>
+              <a:p>
+                <a:pPr algn="ctr"/>
+                <a:endParaRPr lang="ko-KR" altLang="en-US" dirty="0"/>
+              </a:p>
+            </p:txBody>
+          </p:sp>
+          <p:sp>
+            <p:nvSpPr>
+              <p:cNvPr id="66" name="직사각형 65"/>
+              <p:cNvSpPr/>
+              <p:nvPr/>
+            </p:nvSpPr>
+            <p:spPr>
+              <a:xfrm>
+                <a:off x="8414970" y="835269"/>
+                <a:ext cx="854319" cy="369277"/>
+              </a:xfrm>
+              <a:prstGeom prst="rect">
+                <a:avLst/>
+              </a:prstGeom>
+              <a:ln w="19050">
+                <a:solidFill>
+                  <a:schemeClr val="bg1"/>
+                </a:solidFill>
+              </a:ln>
+            </p:spPr>
+            <p:style>
+              <a:lnRef idx="2">
+                <a:schemeClr val="accent1">
+                  <a:shade val="50000"/>
+                </a:schemeClr>
+              </a:lnRef>
+              <a:fillRef idx="1">
+                <a:schemeClr val="accent1"/>
+              </a:fillRef>
+              <a:effectRef idx="0">
+                <a:schemeClr val="accent1"/>
+              </a:effectRef>
+              <a:fontRef idx="minor">
+                <a:schemeClr val="lt1"/>
+              </a:fontRef>
+            </p:style>
+            <p:txBody>
+              <a:bodyPr rtlCol="0" anchor="ctr"/>
+              <a:lstStyle/>
+              <a:p>
+                <a:pPr algn="ctr"/>
+                <a:endParaRPr lang="ko-KR" altLang="en-US" spc="-150" dirty="0"/>
+              </a:p>
+            </p:txBody>
+          </p:sp>
+          <p:sp>
+            <p:nvSpPr>
+              <p:cNvPr id="67" name="직사각형 66"/>
+              <p:cNvSpPr/>
+              <p:nvPr/>
+            </p:nvSpPr>
+            <p:spPr>
+              <a:xfrm>
+                <a:off x="7560651" y="1204546"/>
+                <a:ext cx="854319" cy="369277"/>
+              </a:xfrm>
+              <a:prstGeom prst="rect">
+                <a:avLst/>
+              </a:prstGeom>
+              <a:solidFill>
+                <a:schemeClr val="accent1">
+                  <a:lumMod val="40000"/>
+                  <a:lumOff val="60000"/>
+                </a:schemeClr>
+              </a:solidFill>
+              <a:ln w="19050">
+                <a:solidFill>
+                  <a:schemeClr val="bg1"/>
+                </a:solidFill>
+              </a:ln>
+            </p:spPr>
+            <p:style>
+              <a:lnRef idx="2">
+                <a:schemeClr val="accent1">
+                  <a:shade val="50000"/>
+                </a:schemeClr>
+              </a:lnRef>
+              <a:fillRef idx="1">
+                <a:schemeClr val="accent1"/>
+              </a:fillRef>
+              <a:effectRef idx="0">
+                <a:schemeClr val="accent1"/>
+              </a:effectRef>
+              <a:fontRef idx="minor">
+                <a:schemeClr val="lt1"/>
+              </a:fontRef>
+            </p:style>
+            <p:txBody>
+              <a:bodyPr rtlCol="0" anchor="ctr"/>
+              <a:lstStyle/>
+              <a:p>
+                <a:pPr algn="ctr"/>
+                <a:endParaRPr lang="ko-KR" altLang="en-US" dirty="0">
+                  <a:solidFill>
+                    <a:srgbClr val="002060"/>
+                  </a:solidFill>
+                </a:endParaRPr>
+              </a:p>
+            </p:txBody>
+          </p:sp>
+          <p:sp>
+            <p:nvSpPr>
+              <p:cNvPr id="68" name="직사각형 67"/>
+              <p:cNvSpPr/>
+              <p:nvPr/>
+            </p:nvSpPr>
+            <p:spPr>
+              <a:xfrm>
+                <a:off x="8414970" y="1204546"/>
+                <a:ext cx="854319" cy="369277"/>
+              </a:xfrm>
+              <a:prstGeom prst="rect">
+                <a:avLst/>
+              </a:prstGeom>
+              <a:solidFill>
+                <a:schemeClr val="accent1">
+                  <a:lumMod val="40000"/>
+                  <a:lumOff val="60000"/>
+                </a:schemeClr>
+              </a:solidFill>
+              <a:ln w="19050">
+                <a:solidFill>
+                  <a:schemeClr val="bg1"/>
+                </a:solidFill>
+              </a:ln>
+            </p:spPr>
+            <p:style>
+              <a:lnRef idx="2">
+                <a:schemeClr val="accent1">
+                  <a:shade val="50000"/>
+                </a:schemeClr>
+              </a:lnRef>
+              <a:fillRef idx="1">
+                <a:schemeClr val="accent1"/>
+              </a:fillRef>
+              <a:effectRef idx="0">
+                <a:schemeClr val="accent1"/>
+              </a:effectRef>
+              <a:fontRef idx="minor">
+                <a:schemeClr val="lt1"/>
+              </a:fontRef>
+            </p:style>
+            <p:txBody>
+              <a:bodyPr rtlCol="0" anchor="ctr"/>
+              <a:lstStyle/>
+              <a:p>
+                <a:pPr algn="ctr"/>
+                <a:endParaRPr lang="ko-KR" altLang="en-US" dirty="0">
+                  <a:solidFill>
+                    <a:srgbClr val="002060"/>
+                  </a:solidFill>
+                </a:endParaRPr>
+              </a:p>
+            </p:txBody>
+          </p:sp>
+          <p:sp>
+            <p:nvSpPr>
+              <p:cNvPr id="69" name="직사각형 68"/>
+              <p:cNvSpPr/>
+              <p:nvPr/>
+            </p:nvSpPr>
+            <p:spPr>
+              <a:xfrm>
+                <a:off x="7560651" y="1573822"/>
+                <a:ext cx="854319" cy="369277"/>
+              </a:xfrm>
+              <a:prstGeom prst="rect">
+                <a:avLst/>
+              </a:prstGeom>
+              <a:solidFill>
+                <a:schemeClr val="accent1">
+                  <a:lumMod val="40000"/>
+                  <a:lumOff val="60000"/>
+                </a:schemeClr>
+              </a:solidFill>
+              <a:ln w="19050">
+                <a:solidFill>
+                  <a:schemeClr val="bg1"/>
+                </a:solidFill>
+              </a:ln>
+            </p:spPr>
+            <p:style>
+              <a:lnRef idx="2">
+                <a:schemeClr val="accent1">
+                  <a:shade val="50000"/>
+                </a:schemeClr>
+              </a:lnRef>
+              <a:fillRef idx="1">
+                <a:schemeClr val="accent1"/>
+              </a:fillRef>
+              <a:effectRef idx="0">
+                <a:schemeClr val="accent1"/>
+              </a:effectRef>
+              <a:fontRef idx="minor">
+                <a:schemeClr val="lt1"/>
+              </a:fontRef>
+            </p:style>
+            <p:txBody>
+              <a:bodyPr rtlCol="0" anchor="ctr"/>
+              <a:lstStyle/>
+              <a:p>
+                <a:pPr algn="ctr"/>
+                <a:endParaRPr lang="ko-KR" altLang="en-US" dirty="0">
+                  <a:solidFill>
+                    <a:srgbClr val="002060"/>
+                  </a:solidFill>
+                </a:endParaRPr>
+              </a:p>
+            </p:txBody>
+          </p:sp>
+          <p:sp>
+            <p:nvSpPr>
+              <p:cNvPr id="70" name="직사각형 69"/>
+              <p:cNvSpPr/>
+              <p:nvPr/>
+            </p:nvSpPr>
+            <p:spPr>
+              <a:xfrm>
+                <a:off x="8414970" y="1573822"/>
+                <a:ext cx="854319" cy="369277"/>
+              </a:xfrm>
+              <a:prstGeom prst="rect">
+                <a:avLst/>
+              </a:prstGeom>
+              <a:solidFill>
+                <a:schemeClr val="accent1">
+                  <a:lumMod val="40000"/>
+                  <a:lumOff val="60000"/>
+                </a:schemeClr>
+              </a:solidFill>
+              <a:ln w="19050">
+                <a:solidFill>
+                  <a:schemeClr val="bg1"/>
+                </a:solidFill>
+              </a:ln>
+            </p:spPr>
+            <p:style>
+              <a:lnRef idx="2">
+                <a:schemeClr val="accent1">
+                  <a:shade val="50000"/>
+                </a:schemeClr>
+              </a:lnRef>
+              <a:fillRef idx="1">
+                <a:schemeClr val="accent1"/>
+              </a:fillRef>
+              <a:effectRef idx="0">
+                <a:schemeClr val="accent1"/>
+              </a:effectRef>
+              <a:fontRef idx="minor">
+                <a:schemeClr val="lt1"/>
+              </a:fontRef>
+            </p:style>
+            <p:txBody>
+              <a:bodyPr rtlCol="0" anchor="ctr"/>
+              <a:lstStyle/>
+              <a:p>
+                <a:pPr algn="ctr"/>
+                <a:endParaRPr lang="ko-KR" altLang="en-US" dirty="0">
+                  <a:solidFill>
+                    <a:srgbClr val="002060"/>
+                  </a:solidFill>
+                </a:endParaRPr>
+              </a:p>
+            </p:txBody>
+          </p:sp>
+          <p:sp>
+            <p:nvSpPr>
+              <p:cNvPr id="71" name="직사각형 70"/>
+              <p:cNvSpPr/>
+              <p:nvPr/>
+            </p:nvSpPr>
+            <p:spPr>
+              <a:xfrm>
+                <a:off x="7560651" y="1943098"/>
+                <a:ext cx="854319" cy="369277"/>
+              </a:xfrm>
+              <a:prstGeom prst="rect">
+                <a:avLst/>
+              </a:prstGeom>
+              <a:solidFill>
+                <a:schemeClr val="accent1">
+                  <a:lumMod val="40000"/>
+                  <a:lumOff val="60000"/>
+                </a:schemeClr>
+              </a:solidFill>
+              <a:ln w="19050">
+                <a:solidFill>
+                  <a:schemeClr val="bg1"/>
+                </a:solidFill>
+              </a:ln>
+            </p:spPr>
+            <p:style>
+              <a:lnRef idx="2">
+                <a:schemeClr val="accent1">
+                  <a:shade val="50000"/>
+                </a:schemeClr>
+              </a:lnRef>
+              <a:fillRef idx="1">
+                <a:schemeClr val="accent1"/>
+              </a:fillRef>
+              <a:effectRef idx="0">
+                <a:schemeClr val="accent1"/>
+              </a:effectRef>
+              <a:fontRef idx="minor">
+                <a:schemeClr val="lt1"/>
+              </a:fontRef>
+            </p:style>
+            <p:txBody>
+              <a:bodyPr rtlCol="0" anchor="ctr"/>
+              <a:lstStyle/>
+              <a:p>
+                <a:pPr algn="ctr"/>
+                <a:endParaRPr lang="ko-KR" altLang="en-US" dirty="0">
+                  <a:solidFill>
+                    <a:srgbClr val="002060"/>
+                  </a:solidFill>
+                </a:endParaRPr>
+              </a:p>
+            </p:txBody>
+          </p:sp>
+          <p:sp>
+            <p:nvSpPr>
+              <p:cNvPr id="72" name="직사각형 71"/>
+              <p:cNvSpPr/>
+              <p:nvPr/>
+            </p:nvSpPr>
+            <p:spPr>
+              <a:xfrm>
+                <a:off x="8414970" y="1943098"/>
+                <a:ext cx="854319" cy="369277"/>
+              </a:xfrm>
+              <a:prstGeom prst="rect">
+                <a:avLst/>
+              </a:prstGeom>
+              <a:solidFill>
+                <a:schemeClr val="accent1">
+                  <a:lumMod val="40000"/>
+                  <a:lumOff val="60000"/>
+                </a:schemeClr>
+              </a:solidFill>
+              <a:ln w="19050">
+                <a:solidFill>
+                  <a:schemeClr val="bg1"/>
+                </a:solidFill>
+              </a:ln>
+            </p:spPr>
+            <p:style>
+              <a:lnRef idx="2">
+                <a:schemeClr val="accent1">
+                  <a:shade val="50000"/>
+                </a:schemeClr>
+              </a:lnRef>
+              <a:fillRef idx="1">
+                <a:schemeClr val="accent1"/>
+              </a:fillRef>
+              <a:effectRef idx="0">
+                <a:schemeClr val="accent1"/>
+              </a:effectRef>
+              <a:fontRef idx="minor">
+                <a:schemeClr val="lt1"/>
+              </a:fontRef>
+            </p:style>
+            <p:txBody>
+              <a:bodyPr rtlCol="0" anchor="ctr"/>
+              <a:lstStyle/>
+              <a:p>
+                <a:pPr algn="ctr"/>
+                <a:endParaRPr lang="ko-KR" altLang="en-US" dirty="0">
+                  <a:solidFill>
+                    <a:srgbClr val="002060"/>
+                  </a:solidFill>
+                </a:endParaRPr>
+              </a:p>
+            </p:txBody>
+          </p:sp>
+          <p:sp>
+            <p:nvSpPr>
+              <p:cNvPr id="73" name="직사각형 72"/>
+              <p:cNvSpPr/>
+              <p:nvPr/>
+            </p:nvSpPr>
+            <p:spPr>
+              <a:xfrm>
+                <a:off x="7560651" y="2312375"/>
+                <a:ext cx="854319" cy="369277"/>
+              </a:xfrm>
+              <a:prstGeom prst="rect">
+                <a:avLst/>
+              </a:prstGeom>
+              <a:solidFill>
+                <a:schemeClr val="accent1">
+                  <a:lumMod val="40000"/>
+                  <a:lumOff val="60000"/>
+                </a:schemeClr>
+              </a:solidFill>
+              <a:ln w="19050">
+                <a:solidFill>
+                  <a:schemeClr val="bg1"/>
+                </a:solidFill>
+              </a:ln>
+            </p:spPr>
+            <p:style>
+              <a:lnRef idx="2">
+                <a:schemeClr val="accent1">
+                  <a:shade val="50000"/>
+                </a:schemeClr>
+              </a:lnRef>
+              <a:fillRef idx="1">
+                <a:schemeClr val="accent1"/>
+              </a:fillRef>
+              <a:effectRef idx="0">
+                <a:schemeClr val="accent1"/>
+              </a:effectRef>
+              <a:fontRef idx="minor">
+                <a:schemeClr val="lt1"/>
+              </a:fontRef>
+            </p:style>
+            <p:txBody>
+              <a:bodyPr rtlCol="0" anchor="ctr"/>
+              <a:lstStyle/>
+              <a:p>
+                <a:pPr algn="ctr"/>
+                <a:endParaRPr lang="ko-KR" altLang="en-US" dirty="0">
+                  <a:solidFill>
+                    <a:srgbClr val="002060"/>
+                  </a:solidFill>
+                </a:endParaRPr>
+              </a:p>
+            </p:txBody>
+          </p:sp>
+          <p:sp>
+            <p:nvSpPr>
+              <p:cNvPr id="74" name="직사각형 73"/>
+              <p:cNvSpPr/>
+              <p:nvPr/>
+            </p:nvSpPr>
+            <p:spPr>
+              <a:xfrm>
+                <a:off x="8414970" y="2312375"/>
+                <a:ext cx="854319" cy="369277"/>
+              </a:xfrm>
+              <a:prstGeom prst="rect">
+                <a:avLst/>
+              </a:prstGeom>
+              <a:solidFill>
+                <a:schemeClr val="accent1">
+                  <a:lumMod val="40000"/>
+                  <a:lumOff val="60000"/>
+                </a:schemeClr>
+              </a:solidFill>
+              <a:ln w="19050">
+                <a:solidFill>
+                  <a:schemeClr val="bg1"/>
+                </a:solidFill>
+              </a:ln>
+            </p:spPr>
+            <p:style>
+              <a:lnRef idx="2">
+                <a:schemeClr val="accent1">
+                  <a:shade val="50000"/>
+                </a:schemeClr>
+              </a:lnRef>
+              <a:fillRef idx="1">
+                <a:schemeClr val="accent1"/>
+              </a:fillRef>
+              <a:effectRef idx="0">
+                <a:schemeClr val="accent1"/>
+              </a:effectRef>
+              <a:fontRef idx="minor">
+                <a:schemeClr val="lt1"/>
+              </a:fontRef>
+            </p:style>
+            <p:txBody>
+              <a:bodyPr rtlCol="0" anchor="ctr"/>
+              <a:lstStyle/>
+              <a:p>
+                <a:pPr algn="ctr"/>
+                <a:endParaRPr lang="ko-KR" altLang="en-US" dirty="0">
+                  <a:solidFill>
+                    <a:srgbClr val="002060"/>
+                  </a:solidFill>
+                </a:endParaRPr>
+              </a:p>
+            </p:txBody>
+          </p:sp>
+          <p:sp>
+            <p:nvSpPr>
+              <p:cNvPr id="75" name="직사각형 74"/>
+              <p:cNvSpPr/>
+              <p:nvPr/>
+            </p:nvSpPr>
+            <p:spPr>
+              <a:xfrm>
+                <a:off x="7560651" y="2681650"/>
+                <a:ext cx="854319" cy="369277"/>
+              </a:xfrm>
+              <a:prstGeom prst="rect">
+                <a:avLst/>
+              </a:prstGeom>
+              <a:solidFill>
+                <a:schemeClr val="accent1">
+                  <a:lumMod val="40000"/>
+                  <a:lumOff val="60000"/>
+                </a:schemeClr>
+              </a:solidFill>
+              <a:ln w="19050">
+                <a:solidFill>
+                  <a:schemeClr val="bg1"/>
+                </a:solidFill>
+              </a:ln>
+            </p:spPr>
+            <p:style>
+              <a:lnRef idx="2">
+                <a:schemeClr val="accent1">
+                  <a:shade val="50000"/>
+                </a:schemeClr>
+              </a:lnRef>
+              <a:fillRef idx="1">
+                <a:schemeClr val="accent1"/>
+              </a:fillRef>
+              <a:effectRef idx="0">
+                <a:schemeClr val="accent1"/>
+              </a:effectRef>
+              <a:fontRef idx="minor">
+                <a:schemeClr val="lt1"/>
+              </a:fontRef>
+            </p:style>
+            <p:txBody>
+              <a:bodyPr rtlCol="0" anchor="ctr"/>
+              <a:lstStyle/>
+              <a:p>
+                <a:pPr algn="ctr"/>
+                <a:endParaRPr lang="ko-KR" altLang="en-US" dirty="0">
+                  <a:solidFill>
+                    <a:srgbClr val="002060"/>
+                  </a:solidFill>
+                </a:endParaRPr>
+              </a:p>
+            </p:txBody>
+          </p:sp>
+          <p:sp>
+            <p:nvSpPr>
+              <p:cNvPr id="76" name="직사각형 75"/>
+              <p:cNvSpPr/>
+              <p:nvPr/>
+            </p:nvSpPr>
+            <p:spPr>
+              <a:xfrm>
+                <a:off x="8414970" y="2681650"/>
+                <a:ext cx="854319" cy="369277"/>
+              </a:xfrm>
+              <a:prstGeom prst="rect">
+                <a:avLst/>
+              </a:prstGeom>
+              <a:solidFill>
+                <a:schemeClr val="accent1">
+                  <a:lumMod val="40000"/>
+                  <a:lumOff val="60000"/>
+                </a:schemeClr>
+              </a:solidFill>
+              <a:ln w="19050">
+                <a:solidFill>
+                  <a:schemeClr val="bg1"/>
+                </a:solidFill>
+              </a:ln>
+            </p:spPr>
+            <p:style>
+              <a:lnRef idx="2">
+                <a:schemeClr val="accent1">
+                  <a:shade val="50000"/>
+                </a:schemeClr>
+              </a:lnRef>
+              <a:fillRef idx="1">
+                <a:schemeClr val="accent1"/>
+              </a:fillRef>
+              <a:effectRef idx="0">
+                <a:schemeClr val="accent1"/>
+              </a:effectRef>
+              <a:fontRef idx="minor">
+                <a:schemeClr val="lt1"/>
+              </a:fontRef>
+            </p:style>
+            <p:txBody>
+              <a:bodyPr rtlCol="0" anchor="ctr"/>
+              <a:lstStyle/>
+              <a:p>
+                <a:pPr algn="ctr"/>
+                <a:endParaRPr lang="ko-KR" altLang="en-US" dirty="0">
+                  <a:solidFill>
+                    <a:srgbClr val="002060"/>
+                  </a:solidFill>
+                </a:endParaRPr>
+              </a:p>
+            </p:txBody>
+          </p:sp>
+        </p:grpSp>
+        <p:sp>
+          <p:nvSpPr>
+            <p:cNvPr id="78" name="TextBox 77"/>
+            <p:cNvSpPr txBox="1"/>
+            <p:nvPr/>
+          </p:nvSpPr>
+          <p:spPr>
+            <a:xfrm>
+              <a:off x="8278331" y="5151485"/>
+              <a:ext cx="1038226" cy="369332"/>
+            </a:xfrm>
+            <a:prstGeom prst="rect">
+              <a:avLst/>
+            </a:prstGeom>
+            <a:noFill/>
+          </p:spPr>
+          <p:txBody>
+            <a:bodyPr wrap="square" rtlCol="0">
+              <a:spAutoFit/>
+            </a:bodyPr>
+            <a:lstStyle/>
+            <a:p>
+              <a:pPr algn="ctr"/>
+              <a:r>
+                <a:rPr lang="en-US" altLang="ko-KR" dirty="0" smtClean="0"/>
+                <a:t>df[4,]</a:t>
+              </a:r>
+              <a:endParaRPr lang="ko-KR" altLang="en-US" dirty="0"/>
+            </a:p>
+          </p:txBody>
+        </p:sp>
+        <p:sp>
+          <p:nvSpPr>
+            <p:cNvPr id="80" name="모서리가 둥근 직사각형 79"/>
+            <p:cNvSpPr/>
+            <p:nvPr/>
+          </p:nvSpPr>
+          <p:spPr>
+            <a:xfrm>
+              <a:off x="8067676" y="4394214"/>
+              <a:ext cx="1424723" cy="464012"/>
+            </a:xfrm>
+            <a:prstGeom prst="roundRect">
+              <a:avLst/>
+            </a:prstGeom>
+            <a:noFill/>
+            <a:ln w="25400">
+              <a:solidFill>
+                <a:srgbClr val="FF0000"/>
+              </a:solidFill>
+            </a:ln>
+          </p:spPr>
+          <p:style>
+            <a:lnRef idx="2">
+              <a:schemeClr val="accent1">
+                <a:shade val="50000"/>
+              </a:schemeClr>
+            </a:lnRef>
+            <a:fillRef idx="1">
+              <a:schemeClr val="accent1"/>
+            </a:fillRef>
+            <a:effectRef idx="0">
+              <a:schemeClr val="accent1"/>
+            </a:effectRef>
+            <a:fontRef idx="minor">
+              <a:schemeClr val="lt1"/>
+            </a:fontRef>
+          </p:style>
+          <p:txBody>
+            <a:bodyPr rtlCol="0" anchor="ctr"/>
+            <a:lstStyle/>
+            <a:p>
+              <a:pPr algn="ctr"/>
+              <a:endParaRPr lang="ko-KR" altLang="en-US"/>
+            </a:p>
+          </p:txBody>
+        </p:sp>
+        <p:sp>
+          <p:nvSpPr>
+            <p:cNvPr id="136" name="TextBox 135"/>
+            <p:cNvSpPr txBox="1"/>
+            <p:nvPr/>
+          </p:nvSpPr>
+          <p:spPr>
+            <a:xfrm>
+              <a:off x="9791712" y="849379"/>
+              <a:ext cx="1038226" cy="369332"/>
+            </a:xfrm>
+            <a:prstGeom prst="rect">
+              <a:avLst/>
+            </a:prstGeom>
+            <a:noFill/>
+          </p:spPr>
+          <p:txBody>
+            <a:bodyPr wrap="square" rtlCol="0">
+              <a:spAutoFit/>
+            </a:bodyPr>
+            <a:lstStyle/>
+            <a:p>
+              <a:pPr algn="ctr"/>
+              <a:r>
+                <a:rPr lang="en-US" altLang="ko-KR" dirty="0" smtClean="0"/>
+                <a:t>df[,1:2]</a:t>
+              </a:r>
+              <a:endParaRPr lang="ko-KR" altLang="en-US" dirty="0"/>
+            </a:p>
+          </p:txBody>
+        </p:sp>
+        <p:grpSp>
+          <p:nvGrpSpPr>
+            <p:cNvPr id="137" name="그룹 136"/>
+            <p:cNvGrpSpPr/>
+            <p:nvPr/>
+          </p:nvGrpSpPr>
+          <p:grpSpPr>
+            <a:xfrm>
+              <a:off x="9666788" y="1254415"/>
+              <a:ext cx="1288074" cy="1774581"/>
+              <a:chOff x="7560651" y="835269"/>
+              <a:chExt cx="1708638" cy="2215658"/>
+            </a:xfrm>
+          </p:grpSpPr>
+          <p:sp>
+            <p:nvSpPr>
+              <p:cNvPr id="138" name="직사각형 137"/>
+              <p:cNvSpPr/>
+              <p:nvPr/>
+            </p:nvSpPr>
+            <p:spPr>
+              <a:xfrm>
+                <a:off x="7560651" y="835269"/>
+                <a:ext cx="854319" cy="369277"/>
+              </a:xfrm>
+              <a:prstGeom prst="rect">
+                <a:avLst/>
+              </a:prstGeom>
+              <a:ln w="19050">
+                <a:solidFill>
+                  <a:schemeClr val="bg1"/>
+                </a:solidFill>
+              </a:ln>
+            </p:spPr>
+            <p:style>
+              <a:lnRef idx="2">
+                <a:schemeClr val="accent1">
+                  <a:shade val="50000"/>
+                </a:schemeClr>
+              </a:lnRef>
+              <a:fillRef idx="1">
+                <a:schemeClr val="accent1"/>
+              </a:fillRef>
+              <a:effectRef idx="0">
+                <a:schemeClr val="accent1"/>
+              </a:effectRef>
+              <a:fontRef idx="minor">
+                <a:schemeClr val="lt1"/>
+              </a:fontRef>
+            </p:style>
+            <p:txBody>
+              <a:bodyPr rtlCol="0" anchor="ctr"/>
+              <a:lstStyle/>
+              <a:p>
+                <a:pPr algn="ctr"/>
+                <a:endParaRPr lang="ko-KR" altLang="en-US" dirty="0"/>
+              </a:p>
+            </p:txBody>
+          </p:sp>
+          <p:sp>
+            <p:nvSpPr>
+              <p:cNvPr id="139" name="직사각형 138"/>
+              <p:cNvSpPr/>
+              <p:nvPr/>
+            </p:nvSpPr>
+            <p:spPr>
+              <a:xfrm>
+                <a:off x="8414970" y="835269"/>
+                <a:ext cx="854319" cy="369277"/>
+              </a:xfrm>
+              <a:prstGeom prst="rect">
+                <a:avLst/>
+              </a:prstGeom>
+              <a:ln w="19050">
+                <a:solidFill>
+                  <a:schemeClr val="bg1"/>
+                </a:solidFill>
+              </a:ln>
+            </p:spPr>
+            <p:style>
+              <a:lnRef idx="2">
+                <a:schemeClr val="accent1">
+                  <a:shade val="50000"/>
+                </a:schemeClr>
+              </a:lnRef>
+              <a:fillRef idx="1">
+                <a:schemeClr val="accent1"/>
+              </a:fillRef>
+              <a:effectRef idx="0">
+                <a:schemeClr val="accent1"/>
+              </a:effectRef>
+              <a:fontRef idx="minor">
+                <a:schemeClr val="lt1"/>
+              </a:fontRef>
+            </p:style>
+            <p:txBody>
+              <a:bodyPr rtlCol="0" anchor="ctr"/>
+              <a:lstStyle/>
+              <a:p>
+                <a:pPr algn="ctr"/>
+                <a:endParaRPr lang="ko-KR" altLang="en-US" spc="-150" dirty="0"/>
+              </a:p>
+            </p:txBody>
+          </p:sp>
+          <p:sp>
+            <p:nvSpPr>
+              <p:cNvPr id="140" name="직사각형 139"/>
+              <p:cNvSpPr/>
+              <p:nvPr/>
+            </p:nvSpPr>
+            <p:spPr>
+              <a:xfrm>
+                <a:off x="7560651" y="1204546"/>
+                <a:ext cx="854319" cy="369277"/>
+              </a:xfrm>
+              <a:prstGeom prst="rect">
+                <a:avLst/>
+              </a:prstGeom>
+              <a:solidFill>
+                <a:schemeClr val="accent1">
+                  <a:lumMod val="40000"/>
+                  <a:lumOff val="60000"/>
+                </a:schemeClr>
+              </a:solidFill>
+              <a:ln w="19050">
+                <a:solidFill>
+                  <a:schemeClr val="bg1"/>
+                </a:solidFill>
+              </a:ln>
+            </p:spPr>
+            <p:style>
+              <a:lnRef idx="2">
+                <a:schemeClr val="accent1">
+                  <a:shade val="50000"/>
+                </a:schemeClr>
+              </a:lnRef>
+              <a:fillRef idx="1">
+                <a:schemeClr val="accent1"/>
+              </a:fillRef>
+              <a:effectRef idx="0">
+                <a:schemeClr val="accent1"/>
+              </a:effectRef>
+              <a:fontRef idx="minor">
+                <a:schemeClr val="lt1"/>
+              </a:fontRef>
+            </p:style>
+            <p:txBody>
+              <a:bodyPr rtlCol="0" anchor="ctr"/>
+              <a:lstStyle/>
+              <a:p>
+                <a:pPr algn="ctr"/>
+                <a:endParaRPr lang="ko-KR" altLang="en-US" dirty="0">
+                  <a:solidFill>
+                    <a:srgbClr val="002060"/>
+                  </a:solidFill>
+                </a:endParaRPr>
+              </a:p>
+            </p:txBody>
+          </p:sp>
+          <p:sp>
+            <p:nvSpPr>
+              <p:cNvPr id="141" name="직사각형 140"/>
+              <p:cNvSpPr/>
+              <p:nvPr/>
+            </p:nvSpPr>
+            <p:spPr>
+              <a:xfrm>
+                <a:off x="8414970" y="1204546"/>
+                <a:ext cx="854319" cy="369277"/>
+              </a:xfrm>
+              <a:prstGeom prst="rect">
+                <a:avLst/>
+              </a:prstGeom>
+              <a:solidFill>
+                <a:schemeClr val="accent1">
+                  <a:lumMod val="40000"/>
+                  <a:lumOff val="60000"/>
+                </a:schemeClr>
+              </a:solidFill>
+              <a:ln w="19050">
+                <a:solidFill>
+                  <a:schemeClr val="bg1"/>
+                </a:solidFill>
+              </a:ln>
+            </p:spPr>
+            <p:style>
+              <a:lnRef idx="2">
+                <a:schemeClr val="accent1">
+                  <a:shade val="50000"/>
+                </a:schemeClr>
+              </a:lnRef>
+              <a:fillRef idx="1">
+                <a:schemeClr val="accent1"/>
+              </a:fillRef>
+              <a:effectRef idx="0">
+                <a:schemeClr val="accent1"/>
+              </a:effectRef>
+              <a:fontRef idx="minor">
+                <a:schemeClr val="lt1"/>
+              </a:fontRef>
+            </p:style>
+            <p:txBody>
+              <a:bodyPr rtlCol="0" anchor="ctr"/>
+              <a:lstStyle/>
+              <a:p>
+                <a:pPr algn="ctr"/>
+                <a:endParaRPr lang="ko-KR" altLang="en-US" dirty="0">
+                  <a:solidFill>
+                    <a:srgbClr val="002060"/>
+                  </a:solidFill>
+                </a:endParaRPr>
+              </a:p>
+            </p:txBody>
+          </p:sp>
+          <p:sp>
+            <p:nvSpPr>
+              <p:cNvPr id="142" name="직사각형 141"/>
+              <p:cNvSpPr/>
+              <p:nvPr/>
+            </p:nvSpPr>
+            <p:spPr>
+              <a:xfrm>
+                <a:off x="7560651" y="1573822"/>
+                <a:ext cx="854319" cy="369277"/>
+              </a:xfrm>
+              <a:prstGeom prst="rect">
+                <a:avLst/>
+              </a:prstGeom>
+              <a:solidFill>
+                <a:schemeClr val="accent1">
+                  <a:lumMod val="40000"/>
+                  <a:lumOff val="60000"/>
+                </a:schemeClr>
+              </a:solidFill>
+              <a:ln w="19050">
+                <a:solidFill>
+                  <a:schemeClr val="bg1"/>
+                </a:solidFill>
+              </a:ln>
+            </p:spPr>
+            <p:style>
+              <a:lnRef idx="2">
+                <a:schemeClr val="accent1">
+                  <a:shade val="50000"/>
+                </a:schemeClr>
+              </a:lnRef>
+              <a:fillRef idx="1">
+                <a:schemeClr val="accent1"/>
+              </a:fillRef>
+              <a:effectRef idx="0">
+                <a:schemeClr val="accent1"/>
+              </a:effectRef>
+              <a:fontRef idx="minor">
+                <a:schemeClr val="lt1"/>
+              </a:fontRef>
+            </p:style>
+            <p:txBody>
+              <a:bodyPr rtlCol="0" anchor="ctr"/>
+              <a:lstStyle/>
+              <a:p>
+                <a:pPr algn="ctr"/>
+                <a:endParaRPr lang="ko-KR" altLang="en-US" dirty="0">
+                  <a:solidFill>
+                    <a:srgbClr val="002060"/>
+                  </a:solidFill>
+                </a:endParaRPr>
+              </a:p>
+            </p:txBody>
+          </p:sp>
+          <p:sp>
+            <p:nvSpPr>
+              <p:cNvPr id="143" name="직사각형 142"/>
+              <p:cNvSpPr/>
+              <p:nvPr/>
+            </p:nvSpPr>
+            <p:spPr>
+              <a:xfrm>
+                <a:off x="8414970" y="1573822"/>
+                <a:ext cx="854319" cy="369277"/>
+              </a:xfrm>
+              <a:prstGeom prst="rect">
+                <a:avLst/>
+              </a:prstGeom>
+              <a:solidFill>
+                <a:schemeClr val="accent1">
+                  <a:lumMod val="40000"/>
+                  <a:lumOff val="60000"/>
+                </a:schemeClr>
+              </a:solidFill>
+              <a:ln w="19050">
+                <a:solidFill>
+                  <a:schemeClr val="bg1"/>
+                </a:solidFill>
+              </a:ln>
+            </p:spPr>
+            <p:style>
+              <a:lnRef idx="2">
+                <a:schemeClr val="accent1">
+                  <a:shade val="50000"/>
+                </a:schemeClr>
+              </a:lnRef>
+              <a:fillRef idx="1">
+                <a:schemeClr val="accent1"/>
+              </a:fillRef>
+              <a:effectRef idx="0">
+                <a:schemeClr val="accent1"/>
+              </a:effectRef>
+              <a:fontRef idx="minor">
+                <a:schemeClr val="lt1"/>
+              </a:fontRef>
+            </p:style>
+            <p:txBody>
+              <a:bodyPr rtlCol="0" anchor="ctr"/>
+              <a:lstStyle/>
+              <a:p>
+                <a:pPr algn="ctr"/>
+                <a:endParaRPr lang="ko-KR" altLang="en-US" dirty="0">
+                  <a:solidFill>
+                    <a:srgbClr val="002060"/>
+                  </a:solidFill>
+                </a:endParaRPr>
+              </a:p>
+            </p:txBody>
+          </p:sp>
+          <p:sp>
+            <p:nvSpPr>
+              <p:cNvPr id="144" name="직사각형 143"/>
+              <p:cNvSpPr/>
+              <p:nvPr/>
+            </p:nvSpPr>
+            <p:spPr>
+              <a:xfrm>
+                <a:off x="7560651" y="1943098"/>
+                <a:ext cx="854319" cy="369277"/>
+              </a:xfrm>
+              <a:prstGeom prst="rect">
+                <a:avLst/>
+              </a:prstGeom>
+              <a:solidFill>
+                <a:schemeClr val="accent1">
+                  <a:lumMod val="40000"/>
+                  <a:lumOff val="60000"/>
+                </a:schemeClr>
+              </a:solidFill>
+              <a:ln w="19050">
+                <a:solidFill>
+                  <a:schemeClr val="bg1"/>
+                </a:solidFill>
+              </a:ln>
+            </p:spPr>
+            <p:style>
+              <a:lnRef idx="2">
+                <a:schemeClr val="accent1">
+                  <a:shade val="50000"/>
+                </a:schemeClr>
+              </a:lnRef>
+              <a:fillRef idx="1">
+                <a:schemeClr val="accent1"/>
+              </a:fillRef>
+              <a:effectRef idx="0">
+                <a:schemeClr val="accent1"/>
+              </a:effectRef>
+              <a:fontRef idx="minor">
+                <a:schemeClr val="lt1"/>
+              </a:fontRef>
+            </p:style>
+            <p:txBody>
+              <a:bodyPr rtlCol="0" anchor="ctr"/>
+              <a:lstStyle/>
+              <a:p>
+                <a:pPr algn="ctr"/>
+                <a:endParaRPr lang="ko-KR" altLang="en-US" dirty="0">
+                  <a:solidFill>
+                    <a:srgbClr val="002060"/>
+                  </a:solidFill>
+                </a:endParaRPr>
+              </a:p>
+            </p:txBody>
+          </p:sp>
+          <p:sp>
+            <p:nvSpPr>
+              <p:cNvPr id="145" name="직사각형 144"/>
+              <p:cNvSpPr/>
+              <p:nvPr/>
+            </p:nvSpPr>
+            <p:spPr>
+              <a:xfrm>
+                <a:off x="8414970" y="1943098"/>
+                <a:ext cx="854319" cy="369277"/>
+              </a:xfrm>
+              <a:prstGeom prst="rect">
+                <a:avLst/>
+              </a:prstGeom>
+              <a:solidFill>
+                <a:schemeClr val="accent1">
+                  <a:lumMod val="40000"/>
+                  <a:lumOff val="60000"/>
+                </a:schemeClr>
+              </a:solidFill>
+              <a:ln w="19050">
+                <a:solidFill>
+                  <a:schemeClr val="bg1"/>
+                </a:solidFill>
+              </a:ln>
+            </p:spPr>
+            <p:style>
+              <a:lnRef idx="2">
+                <a:schemeClr val="accent1">
+                  <a:shade val="50000"/>
+                </a:schemeClr>
+              </a:lnRef>
+              <a:fillRef idx="1">
+                <a:schemeClr val="accent1"/>
+              </a:fillRef>
+              <a:effectRef idx="0">
+                <a:schemeClr val="accent1"/>
+              </a:effectRef>
+              <a:fontRef idx="minor">
+                <a:schemeClr val="lt1"/>
+              </a:fontRef>
+            </p:style>
+            <p:txBody>
+              <a:bodyPr rtlCol="0" anchor="ctr"/>
+              <a:lstStyle/>
+              <a:p>
+                <a:pPr algn="ctr"/>
+                <a:endParaRPr lang="ko-KR" altLang="en-US" dirty="0">
+                  <a:solidFill>
+                    <a:srgbClr val="002060"/>
+                  </a:solidFill>
+                </a:endParaRPr>
+              </a:p>
+            </p:txBody>
+          </p:sp>
+          <p:sp>
+            <p:nvSpPr>
+              <p:cNvPr id="146" name="직사각형 145"/>
+              <p:cNvSpPr/>
+              <p:nvPr/>
+            </p:nvSpPr>
+            <p:spPr>
+              <a:xfrm>
+                <a:off x="7560651" y="2312375"/>
+                <a:ext cx="854319" cy="369277"/>
+              </a:xfrm>
+              <a:prstGeom prst="rect">
+                <a:avLst/>
+              </a:prstGeom>
+              <a:solidFill>
+                <a:schemeClr val="accent1">
+                  <a:lumMod val="40000"/>
+                  <a:lumOff val="60000"/>
+                </a:schemeClr>
+              </a:solidFill>
+              <a:ln w="19050">
+                <a:solidFill>
+                  <a:schemeClr val="bg1"/>
+                </a:solidFill>
+              </a:ln>
+            </p:spPr>
+            <p:style>
+              <a:lnRef idx="2">
+                <a:schemeClr val="accent1">
+                  <a:shade val="50000"/>
+                </a:schemeClr>
+              </a:lnRef>
+              <a:fillRef idx="1">
+                <a:schemeClr val="accent1"/>
+              </a:fillRef>
+              <a:effectRef idx="0">
+                <a:schemeClr val="accent1"/>
+              </a:effectRef>
+              <a:fontRef idx="minor">
+                <a:schemeClr val="lt1"/>
+              </a:fontRef>
+            </p:style>
+            <p:txBody>
+              <a:bodyPr rtlCol="0" anchor="ctr"/>
+              <a:lstStyle/>
+              <a:p>
+                <a:pPr algn="ctr"/>
+                <a:endParaRPr lang="ko-KR" altLang="en-US" dirty="0">
+                  <a:solidFill>
+                    <a:srgbClr val="002060"/>
+                  </a:solidFill>
+                </a:endParaRPr>
+              </a:p>
+            </p:txBody>
+          </p:sp>
+          <p:sp>
+            <p:nvSpPr>
+              <p:cNvPr id="147" name="직사각형 146"/>
+              <p:cNvSpPr/>
+              <p:nvPr/>
+            </p:nvSpPr>
+            <p:spPr>
+              <a:xfrm>
+                <a:off x="8414970" y="2312375"/>
+                <a:ext cx="854319" cy="369277"/>
+              </a:xfrm>
+              <a:prstGeom prst="rect">
+                <a:avLst/>
+              </a:prstGeom>
+              <a:solidFill>
+                <a:schemeClr val="accent1">
+                  <a:lumMod val="40000"/>
+                  <a:lumOff val="60000"/>
+                </a:schemeClr>
+              </a:solidFill>
+              <a:ln w="19050">
+                <a:solidFill>
+                  <a:schemeClr val="bg1"/>
+                </a:solidFill>
+              </a:ln>
+            </p:spPr>
+            <p:style>
+              <a:lnRef idx="2">
+                <a:schemeClr val="accent1">
+                  <a:shade val="50000"/>
+                </a:schemeClr>
+              </a:lnRef>
+              <a:fillRef idx="1">
+                <a:schemeClr val="accent1"/>
+              </a:fillRef>
+              <a:effectRef idx="0">
+                <a:schemeClr val="accent1"/>
+              </a:effectRef>
+              <a:fontRef idx="minor">
+                <a:schemeClr val="lt1"/>
+              </a:fontRef>
+            </p:style>
+            <p:txBody>
+              <a:bodyPr rtlCol="0" anchor="ctr"/>
+              <a:lstStyle/>
+              <a:p>
+                <a:pPr algn="ctr"/>
+                <a:endParaRPr lang="ko-KR" altLang="en-US" dirty="0">
+                  <a:solidFill>
+                    <a:srgbClr val="002060"/>
+                  </a:solidFill>
+                </a:endParaRPr>
+              </a:p>
+            </p:txBody>
+          </p:sp>
+          <p:sp>
+            <p:nvSpPr>
+              <p:cNvPr id="148" name="직사각형 147"/>
+              <p:cNvSpPr/>
+              <p:nvPr/>
+            </p:nvSpPr>
+            <p:spPr>
+              <a:xfrm>
+                <a:off x="7560651" y="2681650"/>
+                <a:ext cx="854319" cy="369277"/>
+              </a:xfrm>
+              <a:prstGeom prst="rect">
+                <a:avLst/>
+              </a:prstGeom>
+              <a:solidFill>
+                <a:schemeClr val="accent1">
+                  <a:lumMod val="40000"/>
+                  <a:lumOff val="60000"/>
+                </a:schemeClr>
+              </a:solidFill>
+              <a:ln w="19050">
+                <a:solidFill>
+                  <a:schemeClr val="bg1"/>
+                </a:solidFill>
+              </a:ln>
+            </p:spPr>
+            <p:style>
+              <a:lnRef idx="2">
+                <a:schemeClr val="accent1">
+                  <a:shade val="50000"/>
+                </a:schemeClr>
+              </a:lnRef>
+              <a:fillRef idx="1">
+                <a:schemeClr val="accent1"/>
+              </a:fillRef>
+              <a:effectRef idx="0">
+                <a:schemeClr val="accent1"/>
+              </a:effectRef>
+              <a:fontRef idx="minor">
+                <a:schemeClr val="lt1"/>
+              </a:fontRef>
+            </p:style>
+            <p:txBody>
+              <a:bodyPr rtlCol="0" anchor="ctr"/>
+              <a:lstStyle/>
+              <a:p>
+                <a:pPr algn="ctr"/>
+                <a:endParaRPr lang="ko-KR" altLang="en-US" dirty="0">
+                  <a:solidFill>
+                    <a:srgbClr val="002060"/>
+                  </a:solidFill>
+                </a:endParaRPr>
+              </a:p>
+            </p:txBody>
+          </p:sp>
+          <p:sp>
+            <p:nvSpPr>
+              <p:cNvPr id="149" name="직사각형 148"/>
+              <p:cNvSpPr/>
+              <p:nvPr/>
+            </p:nvSpPr>
+            <p:spPr>
+              <a:xfrm>
+                <a:off x="8414970" y="2681650"/>
+                <a:ext cx="854319" cy="369277"/>
+              </a:xfrm>
+              <a:prstGeom prst="rect">
+                <a:avLst/>
+              </a:prstGeom>
+              <a:solidFill>
+                <a:schemeClr val="accent1">
+                  <a:lumMod val="40000"/>
+                  <a:lumOff val="60000"/>
+                </a:schemeClr>
+              </a:solidFill>
+              <a:ln w="19050">
+                <a:solidFill>
+                  <a:schemeClr val="bg1"/>
+                </a:solidFill>
+              </a:ln>
+            </p:spPr>
+            <p:style>
+              <a:lnRef idx="2">
+                <a:schemeClr val="accent1">
+                  <a:shade val="50000"/>
+                </a:schemeClr>
+              </a:lnRef>
+              <a:fillRef idx="1">
+                <a:schemeClr val="accent1"/>
+              </a:fillRef>
+              <a:effectRef idx="0">
+                <a:schemeClr val="accent1"/>
+              </a:effectRef>
+              <a:fontRef idx="minor">
+                <a:schemeClr val="lt1"/>
+              </a:fontRef>
+            </p:style>
+            <p:txBody>
+              <a:bodyPr rtlCol="0" anchor="ctr"/>
+              <a:lstStyle/>
+              <a:p>
+                <a:pPr algn="ctr"/>
+                <a:endParaRPr lang="ko-KR" altLang="en-US" dirty="0">
+                  <a:solidFill>
+                    <a:srgbClr val="002060"/>
+                  </a:solidFill>
+                </a:endParaRPr>
+              </a:p>
+            </p:txBody>
+          </p:sp>
+        </p:grpSp>
+        <p:sp>
+          <p:nvSpPr>
+            <p:cNvPr id="150" name="모서리가 둥근 직사각형 149"/>
+            <p:cNvSpPr/>
+            <p:nvPr/>
+          </p:nvSpPr>
+          <p:spPr>
+            <a:xfrm>
+              <a:off x="9599375" y="1188961"/>
+              <a:ext cx="1423993" cy="1905489"/>
+            </a:xfrm>
+            <a:prstGeom prst="roundRect">
+              <a:avLst/>
+            </a:prstGeom>
+            <a:noFill/>
+            <a:ln w="25400">
+              <a:solidFill>
+                <a:srgbClr val="FF0000"/>
+              </a:solidFill>
+            </a:ln>
+          </p:spPr>
+          <p:style>
+            <a:lnRef idx="2">
+              <a:schemeClr val="accent1">
+                <a:shade val="50000"/>
+              </a:schemeClr>
+            </a:lnRef>
+            <a:fillRef idx="1">
+              <a:schemeClr val="accent1"/>
+            </a:fillRef>
+            <a:effectRef idx="0">
+              <a:schemeClr val="accent1"/>
+            </a:effectRef>
+            <a:fontRef idx="minor">
+              <a:schemeClr val="lt1"/>
+            </a:fontRef>
+          </p:style>
+          <p:txBody>
+            <a:bodyPr rtlCol="0" anchor="ctr"/>
+            <a:lstStyle/>
+            <a:p>
+              <a:pPr algn="ctr"/>
+              <a:endParaRPr lang="ko-KR" altLang="en-US"/>
+            </a:p>
+          </p:txBody>
+        </p:sp>
+        <p:grpSp>
+          <p:nvGrpSpPr>
+            <p:cNvPr id="151" name="그룹 150"/>
+            <p:cNvGrpSpPr/>
+            <p:nvPr/>
+          </p:nvGrpSpPr>
+          <p:grpSpPr>
+            <a:xfrm>
+              <a:off x="9685481" y="3271345"/>
+              <a:ext cx="1288074" cy="1774581"/>
+              <a:chOff x="7560651" y="835269"/>
+              <a:chExt cx="1708638" cy="2215658"/>
+            </a:xfrm>
+          </p:grpSpPr>
+          <p:sp>
+            <p:nvSpPr>
+              <p:cNvPr id="152" name="직사각형 151"/>
+              <p:cNvSpPr/>
+              <p:nvPr/>
+            </p:nvSpPr>
+            <p:spPr>
+              <a:xfrm>
+                <a:off x="7560651" y="835269"/>
+                <a:ext cx="854319" cy="369277"/>
+              </a:xfrm>
+              <a:prstGeom prst="rect">
+                <a:avLst/>
+              </a:prstGeom>
+              <a:ln w="19050">
+                <a:solidFill>
+                  <a:schemeClr val="bg1"/>
+                </a:solidFill>
+              </a:ln>
+            </p:spPr>
+            <p:style>
+              <a:lnRef idx="2">
+                <a:schemeClr val="accent1">
+                  <a:shade val="50000"/>
+                </a:schemeClr>
+              </a:lnRef>
+              <a:fillRef idx="1">
+                <a:schemeClr val="accent1"/>
+              </a:fillRef>
+              <a:effectRef idx="0">
+                <a:schemeClr val="accent1"/>
+              </a:effectRef>
+              <a:fontRef idx="minor">
+                <a:schemeClr val="lt1"/>
+              </a:fontRef>
+            </p:style>
+            <p:txBody>
+              <a:bodyPr rtlCol="0" anchor="ctr"/>
+              <a:lstStyle/>
+              <a:p>
+                <a:pPr algn="ctr"/>
+                <a:endParaRPr lang="ko-KR" altLang="en-US" dirty="0"/>
+              </a:p>
+            </p:txBody>
+          </p:sp>
+          <p:sp>
+            <p:nvSpPr>
+              <p:cNvPr id="153" name="직사각형 152"/>
+              <p:cNvSpPr/>
+              <p:nvPr/>
+            </p:nvSpPr>
+            <p:spPr>
+              <a:xfrm>
+                <a:off x="8414970" y="835269"/>
+                <a:ext cx="854319" cy="369277"/>
+              </a:xfrm>
+              <a:prstGeom prst="rect">
+                <a:avLst/>
+              </a:prstGeom>
+              <a:ln w="19050">
+                <a:solidFill>
+                  <a:schemeClr val="bg1"/>
+                </a:solidFill>
+              </a:ln>
+            </p:spPr>
+            <p:style>
+              <a:lnRef idx="2">
+                <a:schemeClr val="accent1">
+                  <a:shade val="50000"/>
+                </a:schemeClr>
+              </a:lnRef>
+              <a:fillRef idx="1">
+                <a:schemeClr val="accent1"/>
+              </a:fillRef>
+              <a:effectRef idx="0">
+                <a:schemeClr val="accent1"/>
+              </a:effectRef>
+              <a:fontRef idx="minor">
+                <a:schemeClr val="lt1"/>
+              </a:fontRef>
+            </p:style>
+            <p:txBody>
+              <a:bodyPr rtlCol="0" anchor="ctr"/>
+              <a:lstStyle/>
+              <a:p>
+                <a:pPr algn="ctr"/>
+                <a:endParaRPr lang="ko-KR" altLang="en-US" spc="-150" dirty="0"/>
+              </a:p>
+            </p:txBody>
+          </p:sp>
+          <p:sp>
+            <p:nvSpPr>
+              <p:cNvPr id="154" name="직사각형 153"/>
+              <p:cNvSpPr/>
+              <p:nvPr/>
+            </p:nvSpPr>
+            <p:spPr>
+              <a:xfrm>
+                <a:off x="7560651" y="1204546"/>
+                <a:ext cx="854319" cy="369277"/>
+              </a:xfrm>
+              <a:prstGeom prst="rect">
+                <a:avLst/>
+              </a:prstGeom>
+              <a:solidFill>
+                <a:schemeClr val="accent1">
+                  <a:lumMod val="40000"/>
+                  <a:lumOff val="60000"/>
+                </a:schemeClr>
+              </a:solidFill>
+              <a:ln w="19050">
+                <a:solidFill>
+                  <a:schemeClr val="bg1"/>
+                </a:solidFill>
+              </a:ln>
+            </p:spPr>
+            <p:style>
+              <a:lnRef idx="2">
+                <a:schemeClr val="accent1">
+                  <a:shade val="50000"/>
+                </a:schemeClr>
+              </a:lnRef>
+              <a:fillRef idx="1">
+                <a:schemeClr val="accent1"/>
+              </a:fillRef>
+              <a:effectRef idx="0">
+                <a:schemeClr val="accent1"/>
+              </a:effectRef>
+              <a:fontRef idx="minor">
+                <a:schemeClr val="lt1"/>
+              </a:fontRef>
+            </p:style>
+            <p:txBody>
+              <a:bodyPr rtlCol="0" anchor="ctr"/>
+              <a:lstStyle/>
+              <a:p>
+                <a:pPr algn="ctr"/>
+                <a:endParaRPr lang="ko-KR" altLang="en-US" dirty="0">
+                  <a:solidFill>
+                    <a:srgbClr val="002060"/>
+                  </a:solidFill>
+                </a:endParaRPr>
+              </a:p>
+            </p:txBody>
+          </p:sp>
+          <p:sp>
+            <p:nvSpPr>
+              <p:cNvPr id="155" name="직사각형 154"/>
+              <p:cNvSpPr/>
+              <p:nvPr/>
+            </p:nvSpPr>
+            <p:spPr>
+              <a:xfrm>
+                <a:off x="8414970" y="1204546"/>
+                <a:ext cx="854319" cy="369277"/>
+              </a:xfrm>
+              <a:prstGeom prst="rect">
+                <a:avLst/>
+              </a:prstGeom>
+              <a:solidFill>
+                <a:schemeClr val="accent1">
+                  <a:lumMod val="40000"/>
+                  <a:lumOff val="60000"/>
+                </a:schemeClr>
+              </a:solidFill>
+              <a:ln w="19050">
+                <a:solidFill>
+                  <a:schemeClr val="bg1"/>
+                </a:solidFill>
+              </a:ln>
+            </p:spPr>
+            <p:style>
+              <a:lnRef idx="2">
+                <a:schemeClr val="accent1">
+                  <a:shade val="50000"/>
+                </a:schemeClr>
+              </a:lnRef>
+              <a:fillRef idx="1">
+                <a:schemeClr val="accent1"/>
+              </a:fillRef>
+              <a:effectRef idx="0">
+                <a:schemeClr val="accent1"/>
+              </a:effectRef>
+              <a:fontRef idx="minor">
+                <a:schemeClr val="lt1"/>
+              </a:fontRef>
+            </p:style>
+            <p:txBody>
+              <a:bodyPr rtlCol="0" anchor="ctr"/>
+              <a:lstStyle/>
+              <a:p>
+                <a:pPr algn="ctr"/>
+                <a:endParaRPr lang="ko-KR" altLang="en-US" dirty="0">
+                  <a:solidFill>
+                    <a:srgbClr val="002060"/>
+                  </a:solidFill>
+                </a:endParaRPr>
+              </a:p>
+            </p:txBody>
+          </p:sp>
+          <p:sp>
+            <p:nvSpPr>
+              <p:cNvPr id="156" name="직사각형 155"/>
+              <p:cNvSpPr/>
+              <p:nvPr/>
+            </p:nvSpPr>
+            <p:spPr>
+              <a:xfrm>
+                <a:off x="7560651" y="1573822"/>
+                <a:ext cx="854319" cy="369277"/>
+              </a:xfrm>
+              <a:prstGeom prst="rect">
+                <a:avLst/>
+              </a:prstGeom>
+              <a:solidFill>
+                <a:schemeClr val="accent1">
+                  <a:lumMod val="40000"/>
+                  <a:lumOff val="60000"/>
+                </a:schemeClr>
+              </a:solidFill>
+              <a:ln w="19050">
+                <a:solidFill>
+                  <a:schemeClr val="bg1"/>
+                </a:solidFill>
+              </a:ln>
+            </p:spPr>
+            <p:style>
+              <a:lnRef idx="2">
+                <a:schemeClr val="accent1">
+                  <a:shade val="50000"/>
+                </a:schemeClr>
+              </a:lnRef>
+              <a:fillRef idx="1">
+                <a:schemeClr val="accent1"/>
+              </a:fillRef>
+              <a:effectRef idx="0">
+                <a:schemeClr val="accent1"/>
+              </a:effectRef>
+              <a:fontRef idx="minor">
+                <a:schemeClr val="lt1"/>
+              </a:fontRef>
+            </p:style>
+            <p:txBody>
+              <a:bodyPr rtlCol="0" anchor="ctr"/>
+              <a:lstStyle/>
+              <a:p>
+                <a:pPr algn="ctr"/>
+                <a:endParaRPr lang="ko-KR" altLang="en-US" dirty="0">
+                  <a:solidFill>
+                    <a:srgbClr val="002060"/>
+                  </a:solidFill>
+                </a:endParaRPr>
+              </a:p>
+            </p:txBody>
+          </p:sp>
+          <p:sp>
+            <p:nvSpPr>
+              <p:cNvPr id="157" name="직사각형 156"/>
+              <p:cNvSpPr/>
+              <p:nvPr/>
+            </p:nvSpPr>
+            <p:spPr>
+              <a:xfrm>
+                <a:off x="8414970" y="1573822"/>
+                <a:ext cx="854319" cy="369277"/>
+              </a:xfrm>
+              <a:prstGeom prst="rect">
+                <a:avLst/>
+              </a:prstGeom>
+              <a:solidFill>
+                <a:schemeClr val="accent1">
+                  <a:lumMod val="40000"/>
+                  <a:lumOff val="60000"/>
+                </a:schemeClr>
+              </a:solidFill>
+              <a:ln w="19050">
+                <a:solidFill>
+                  <a:schemeClr val="bg1"/>
+                </a:solidFill>
+              </a:ln>
+            </p:spPr>
+            <p:style>
+              <a:lnRef idx="2">
+                <a:schemeClr val="accent1">
+                  <a:shade val="50000"/>
+                </a:schemeClr>
+              </a:lnRef>
+              <a:fillRef idx="1">
+                <a:schemeClr val="accent1"/>
+              </a:fillRef>
+              <a:effectRef idx="0">
+                <a:schemeClr val="accent1"/>
+              </a:effectRef>
+              <a:fontRef idx="minor">
+                <a:schemeClr val="lt1"/>
+              </a:fontRef>
+            </p:style>
+            <p:txBody>
+              <a:bodyPr rtlCol="0" anchor="ctr"/>
+              <a:lstStyle/>
+              <a:p>
+                <a:pPr algn="ctr"/>
+                <a:endParaRPr lang="ko-KR" altLang="en-US" dirty="0">
+                  <a:solidFill>
+                    <a:srgbClr val="002060"/>
+                  </a:solidFill>
+                </a:endParaRPr>
+              </a:p>
+            </p:txBody>
+          </p:sp>
+          <p:sp>
+            <p:nvSpPr>
+              <p:cNvPr id="158" name="직사각형 157"/>
+              <p:cNvSpPr/>
+              <p:nvPr/>
+            </p:nvSpPr>
+            <p:spPr>
+              <a:xfrm>
+                <a:off x="7560651" y="1943098"/>
+                <a:ext cx="854319" cy="369277"/>
+              </a:xfrm>
+              <a:prstGeom prst="rect">
+                <a:avLst/>
+              </a:prstGeom>
+              <a:solidFill>
+                <a:schemeClr val="accent1">
+                  <a:lumMod val="40000"/>
+                  <a:lumOff val="60000"/>
+                </a:schemeClr>
+              </a:solidFill>
+              <a:ln w="19050">
+                <a:solidFill>
+                  <a:schemeClr val="bg1"/>
+                </a:solidFill>
+              </a:ln>
+            </p:spPr>
+            <p:style>
+              <a:lnRef idx="2">
+                <a:schemeClr val="accent1">
+                  <a:shade val="50000"/>
+                </a:schemeClr>
+              </a:lnRef>
+              <a:fillRef idx="1">
+                <a:schemeClr val="accent1"/>
+              </a:fillRef>
+              <a:effectRef idx="0">
+                <a:schemeClr val="accent1"/>
+              </a:effectRef>
+              <a:fontRef idx="minor">
+                <a:schemeClr val="lt1"/>
+              </a:fontRef>
+            </p:style>
+            <p:txBody>
+              <a:bodyPr rtlCol="0" anchor="ctr"/>
+              <a:lstStyle/>
+              <a:p>
+                <a:pPr algn="ctr"/>
+                <a:endParaRPr lang="ko-KR" altLang="en-US" dirty="0">
+                  <a:solidFill>
+                    <a:srgbClr val="002060"/>
+                  </a:solidFill>
+                </a:endParaRPr>
+              </a:p>
+            </p:txBody>
+          </p:sp>
+          <p:sp>
+            <p:nvSpPr>
+              <p:cNvPr id="159" name="직사각형 158"/>
+              <p:cNvSpPr/>
+              <p:nvPr/>
+            </p:nvSpPr>
+            <p:spPr>
+              <a:xfrm>
+                <a:off x="8414970" y="1943098"/>
+                <a:ext cx="854319" cy="369277"/>
+              </a:xfrm>
+              <a:prstGeom prst="rect">
+                <a:avLst/>
+              </a:prstGeom>
+              <a:solidFill>
+                <a:schemeClr val="accent1">
+                  <a:lumMod val="40000"/>
+                  <a:lumOff val="60000"/>
+                </a:schemeClr>
+              </a:solidFill>
+              <a:ln w="19050">
+                <a:solidFill>
+                  <a:schemeClr val="bg1"/>
+                </a:solidFill>
+              </a:ln>
+            </p:spPr>
+            <p:style>
+              <a:lnRef idx="2">
+                <a:schemeClr val="accent1">
+                  <a:shade val="50000"/>
+                </a:schemeClr>
+              </a:lnRef>
+              <a:fillRef idx="1">
+                <a:schemeClr val="accent1"/>
+              </a:fillRef>
+              <a:effectRef idx="0">
+                <a:schemeClr val="accent1"/>
+              </a:effectRef>
+              <a:fontRef idx="minor">
+                <a:schemeClr val="lt1"/>
+              </a:fontRef>
+            </p:style>
+            <p:txBody>
+              <a:bodyPr rtlCol="0" anchor="ctr"/>
+              <a:lstStyle/>
+              <a:p>
+                <a:pPr algn="ctr"/>
+                <a:endParaRPr lang="ko-KR" altLang="en-US" dirty="0">
+                  <a:solidFill>
+                    <a:srgbClr val="002060"/>
+                  </a:solidFill>
+                </a:endParaRPr>
+              </a:p>
+            </p:txBody>
+          </p:sp>
+          <p:sp>
+            <p:nvSpPr>
+              <p:cNvPr id="160" name="직사각형 159"/>
+              <p:cNvSpPr/>
+              <p:nvPr/>
+            </p:nvSpPr>
+            <p:spPr>
+              <a:xfrm>
+                <a:off x="7560651" y="2312375"/>
+                <a:ext cx="854319" cy="369277"/>
+              </a:xfrm>
+              <a:prstGeom prst="rect">
+                <a:avLst/>
+              </a:prstGeom>
+              <a:solidFill>
+                <a:schemeClr val="accent1">
+                  <a:lumMod val="40000"/>
+                  <a:lumOff val="60000"/>
+                </a:schemeClr>
+              </a:solidFill>
+              <a:ln w="19050">
+                <a:solidFill>
+                  <a:schemeClr val="bg1"/>
+                </a:solidFill>
+              </a:ln>
+            </p:spPr>
+            <p:style>
+              <a:lnRef idx="2">
+                <a:schemeClr val="accent1">
+                  <a:shade val="50000"/>
+                </a:schemeClr>
+              </a:lnRef>
+              <a:fillRef idx="1">
+                <a:schemeClr val="accent1"/>
+              </a:fillRef>
+              <a:effectRef idx="0">
+                <a:schemeClr val="accent1"/>
+              </a:effectRef>
+              <a:fontRef idx="minor">
+                <a:schemeClr val="lt1"/>
+              </a:fontRef>
+            </p:style>
+            <p:txBody>
+              <a:bodyPr rtlCol="0" anchor="ctr"/>
+              <a:lstStyle/>
+              <a:p>
+                <a:pPr algn="ctr"/>
+                <a:endParaRPr lang="ko-KR" altLang="en-US" dirty="0">
+                  <a:solidFill>
+                    <a:srgbClr val="002060"/>
+                  </a:solidFill>
+                </a:endParaRPr>
+              </a:p>
+            </p:txBody>
+          </p:sp>
+          <p:sp>
+            <p:nvSpPr>
+              <p:cNvPr id="161" name="직사각형 160"/>
+              <p:cNvSpPr/>
+              <p:nvPr/>
+            </p:nvSpPr>
+            <p:spPr>
+              <a:xfrm>
+                <a:off x="8414970" y="2312375"/>
+                <a:ext cx="854319" cy="369277"/>
+              </a:xfrm>
+              <a:prstGeom prst="rect">
+                <a:avLst/>
+              </a:prstGeom>
+              <a:solidFill>
+                <a:schemeClr val="accent1">
+                  <a:lumMod val="40000"/>
+                  <a:lumOff val="60000"/>
+                </a:schemeClr>
+              </a:solidFill>
+              <a:ln w="19050">
+                <a:solidFill>
+                  <a:schemeClr val="bg1"/>
+                </a:solidFill>
+              </a:ln>
+            </p:spPr>
+            <p:style>
+              <a:lnRef idx="2">
+                <a:schemeClr val="accent1">
+                  <a:shade val="50000"/>
+                </a:schemeClr>
+              </a:lnRef>
+              <a:fillRef idx="1">
+                <a:schemeClr val="accent1"/>
+              </a:fillRef>
+              <a:effectRef idx="0">
+                <a:schemeClr val="accent1"/>
+              </a:effectRef>
+              <a:fontRef idx="minor">
+                <a:schemeClr val="lt1"/>
+              </a:fontRef>
+            </p:style>
+            <p:txBody>
+              <a:bodyPr rtlCol="0" anchor="ctr"/>
+              <a:lstStyle/>
+              <a:p>
+                <a:pPr algn="ctr"/>
+                <a:endParaRPr lang="ko-KR" altLang="en-US" dirty="0">
+                  <a:solidFill>
+                    <a:srgbClr val="002060"/>
+                  </a:solidFill>
+                </a:endParaRPr>
+              </a:p>
+            </p:txBody>
+          </p:sp>
+          <p:sp>
+            <p:nvSpPr>
+              <p:cNvPr id="162" name="직사각형 161"/>
+              <p:cNvSpPr/>
+              <p:nvPr/>
+            </p:nvSpPr>
+            <p:spPr>
+              <a:xfrm>
+                <a:off x="7560651" y="2681650"/>
+                <a:ext cx="854319" cy="369277"/>
+              </a:xfrm>
+              <a:prstGeom prst="rect">
+                <a:avLst/>
+              </a:prstGeom>
+              <a:solidFill>
+                <a:schemeClr val="accent1">
+                  <a:lumMod val="40000"/>
+                  <a:lumOff val="60000"/>
+                </a:schemeClr>
+              </a:solidFill>
+              <a:ln w="19050">
+                <a:solidFill>
+                  <a:schemeClr val="bg1"/>
+                </a:solidFill>
+              </a:ln>
+            </p:spPr>
+            <p:style>
+              <a:lnRef idx="2">
+                <a:schemeClr val="accent1">
+                  <a:shade val="50000"/>
+                </a:schemeClr>
+              </a:lnRef>
+              <a:fillRef idx="1">
+                <a:schemeClr val="accent1"/>
+              </a:fillRef>
+              <a:effectRef idx="0">
+                <a:schemeClr val="accent1"/>
+              </a:effectRef>
+              <a:fontRef idx="minor">
+                <a:schemeClr val="lt1"/>
+              </a:fontRef>
+            </p:style>
+            <p:txBody>
+              <a:bodyPr rtlCol="0" anchor="ctr"/>
+              <a:lstStyle/>
+              <a:p>
+                <a:pPr algn="ctr"/>
+                <a:endParaRPr lang="ko-KR" altLang="en-US" dirty="0">
+                  <a:solidFill>
+                    <a:srgbClr val="002060"/>
+                  </a:solidFill>
+                </a:endParaRPr>
+              </a:p>
+            </p:txBody>
+          </p:sp>
+          <p:sp>
+            <p:nvSpPr>
+              <p:cNvPr id="163" name="직사각형 162"/>
+              <p:cNvSpPr/>
+              <p:nvPr/>
+            </p:nvSpPr>
+            <p:spPr>
+              <a:xfrm>
+                <a:off x="8414970" y="2681650"/>
+                <a:ext cx="854319" cy="369277"/>
+              </a:xfrm>
+              <a:prstGeom prst="rect">
+                <a:avLst/>
+              </a:prstGeom>
+              <a:solidFill>
+                <a:schemeClr val="accent1">
+                  <a:lumMod val="40000"/>
+                  <a:lumOff val="60000"/>
+                </a:schemeClr>
+              </a:solidFill>
+              <a:ln w="19050">
+                <a:solidFill>
+                  <a:schemeClr val="bg1"/>
+                </a:solidFill>
+              </a:ln>
+            </p:spPr>
+            <p:style>
+              <a:lnRef idx="2">
+                <a:schemeClr val="accent1">
+                  <a:shade val="50000"/>
+                </a:schemeClr>
+              </a:lnRef>
+              <a:fillRef idx="1">
+                <a:schemeClr val="accent1"/>
+              </a:fillRef>
+              <a:effectRef idx="0">
+                <a:schemeClr val="accent1"/>
+              </a:effectRef>
+              <a:fontRef idx="minor">
+                <a:schemeClr val="lt1"/>
+              </a:fontRef>
+            </p:style>
+            <p:txBody>
+              <a:bodyPr rtlCol="0" anchor="ctr"/>
+              <a:lstStyle/>
+              <a:p>
+                <a:pPr algn="ctr"/>
+                <a:endParaRPr lang="ko-KR" altLang="en-US" dirty="0">
+                  <a:solidFill>
+                    <a:srgbClr val="002060"/>
+                  </a:solidFill>
+                </a:endParaRPr>
+              </a:p>
+            </p:txBody>
+          </p:sp>
+        </p:grpSp>
+        <p:sp>
+          <p:nvSpPr>
+            <p:cNvPr id="164" name="TextBox 163"/>
+            <p:cNvSpPr txBox="1"/>
+            <p:nvPr/>
+          </p:nvSpPr>
+          <p:spPr>
+            <a:xfrm>
+              <a:off x="9810404" y="5151485"/>
+              <a:ext cx="1038226" cy="369332"/>
+            </a:xfrm>
+            <a:prstGeom prst="rect">
+              <a:avLst/>
+            </a:prstGeom>
+            <a:noFill/>
+          </p:spPr>
+          <p:txBody>
+            <a:bodyPr wrap="square" rtlCol="0">
+              <a:spAutoFit/>
+            </a:bodyPr>
+            <a:lstStyle/>
+            <a:p>
+              <a:pPr algn="ctr"/>
+              <a:r>
+                <a:rPr lang="en-US" altLang="ko-KR" dirty="0" smtClean="0"/>
+                <a:t>df[1:2,]</a:t>
+              </a:r>
+              <a:endParaRPr lang="ko-KR" altLang="en-US" dirty="0"/>
+            </a:p>
+          </p:txBody>
+        </p:sp>
+        <p:sp>
+          <p:nvSpPr>
+            <p:cNvPr id="166" name="모서리가 둥근 직사각형 165"/>
+            <p:cNvSpPr/>
+            <p:nvPr/>
+          </p:nvSpPr>
+          <p:spPr>
+            <a:xfrm>
+              <a:off x="9617156" y="3503428"/>
+              <a:ext cx="1424723" cy="679145"/>
+            </a:xfrm>
+            <a:prstGeom prst="roundRect">
+              <a:avLst/>
+            </a:prstGeom>
+            <a:noFill/>
+            <a:ln w="25400">
+              <a:solidFill>
+                <a:srgbClr val="FF0000"/>
+              </a:solidFill>
+            </a:ln>
+          </p:spPr>
+          <p:style>
+            <a:lnRef idx="2">
+              <a:schemeClr val="accent1">
+                <a:shade val="50000"/>
+              </a:schemeClr>
+            </a:lnRef>
+            <a:fillRef idx="1">
+              <a:schemeClr val="accent1"/>
+            </a:fillRef>
+            <a:effectRef idx="0">
+              <a:schemeClr val="accent1"/>
+            </a:effectRef>
+            <a:fontRef idx="minor">
+              <a:schemeClr val="lt1"/>
+            </a:fontRef>
+          </p:style>
+          <p:txBody>
+            <a:bodyPr rtlCol="0" anchor="ctr"/>
+            <a:lstStyle/>
+            <a:p>
+              <a:pPr algn="ctr"/>
+              <a:endParaRPr lang="ko-KR" altLang="en-US"/>
+            </a:p>
+          </p:txBody>
+        </p:sp>
+        <p:sp>
+          <p:nvSpPr>
+            <p:cNvPr id="170" name="TextBox 169"/>
+            <p:cNvSpPr txBox="1"/>
+            <p:nvPr/>
+          </p:nvSpPr>
+          <p:spPr>
+            <a:xfrm>
+              <a:off x="8802008" y="5634810"/>
+              <a:ext cx="1538290" cy="369332"/>
+            </a:xfrm>
+            <a:prstGeom prst="rect">
+              <a:avLst/>
+            </a:prstGeom>
+            <a:noFill/>
+          </p:spPr>
+          <p:txBody>
+            <a:bodyPr wrap="square" rtlCol="0">
+              <a:spAutoFit/>
+            </a:bodyPr>
+            <a:lstStyle/>
+            <a:p>
+              <a:pPr algn="ctr"/>
+              <a:r>
+                <a:rPr lang="ko-KR" altLang="en-US" dirty="0" smtClean="0"/>
+                <a:t>행렬 방식</a:t>
+              </a:r>
+              <a:endParaRPr lang="ko-KR" altLang="en-US" dirty="0"/>
+            </a:p>
+          </p:txBody>
+        </p:sp>
+      </p:grpSp>
+      <p:grpSp>
+        <p:nvGrpSpPr>
+          <p:cNvPr id="185" name="그룹 184"/>
+          <p:cNvGrpSpPr/>
+          <p:nvPr/>
+        </p:nvGrpSpPr>
+        <p:grpSpPr>
+          <a:xfrm>
+            <a:off x="7656547" y="807654"/>
+            <a:ext cx="3239209" cy="5157457"/>
+            <a:chOff x="4151085" y="844617"/>
+            <a:chExt cx="3239209" cy="5157457"/>
+          </a:xfrm>
+        </p:grpSpPr>
+        <p:sp>
+          <p:nvSpPr>
+            <p:cNvPr id="167" name="모서리가 둥근 직사각형 166"/>
+            <p:cNvSpPr/>
+            <p:nvPr/>
+          </p:nvSpPr>
+          <p:spPr>
+            <a:xfrm>
+              <a:off x="4151085" y="849379"/>
+              <a:ext cx="3239209" cy="4738134"/>
+            </a:xfrm>
+            <a:prstGeom prst="roundRect">
+              <a:avLst>
+                <a:gd name="adj" fmla="val 9904"/>
+              </a:avLst>
+            </a:prstGeom>
+            <a:solidFill>
+              <a:schemeClr val="tx2">
+                <a:lumMod val="20000"/>
+                <a:lumOff val="80000"/>
+              </a:schemeClr>
+            </a:solidFill>
+            <a:ln>
+              <a:noFill/>
+            </a:ln>
+          </p:spPr>
+          <p:style>
+            <a:lnRef idx="2">
+              <a:schemeClr val="accent1">
+                <a:shade val="50000"/>
+              </a:schemeClr>
+            </a:lnRef>
+            <a:fillRef idx="1">
+              <a:schemeClr val="accent1"/>
+            </a:fillRef>
+            <a:effectRef idx="0">
+              <a:schemeClr val="accent1"/>
+            </a:effectRef>
+            <a:fontRef idx="minor">
+              <a:schemeClr val="lt1"/>
+            </a:fontRef>
+          </p:style>
+          <p:txBody>
+            <a:bodyPr rtlCol="0" anchor="ctr"/>
+            <a:lstStyle/>
+            <a:p>
+              <a:pPr algn="ctr"/>
+              <a:endParaRPr lang="ko-KR" altLang="en-US"/>
+            </a:p>
+          </p:txBody>
+        </p:sp>
+        <p:sp>
+          <p:nvSpPr>
+            <p:cNvPr id="21" name="TextBox 20"/>
+            <p:cNvSpPr txBox="1"/>
+            <p:nvPr/>
+          </p:nvSpPr>
+          <p:spPr>
+            <a:xfrm>
+              <a:off x="4580058" y="849379"/>
+              <a:ext cx="1038226" cy="369332"/>
+            </a:xfrm>
+            <a:prstGeom prst="rect">
+              <a:avLst/>
+            </a:prstGeom>
+            <a:noFill/>
+          </p:spPr>
+          <p:txBody>
+            <a:bodyPr wrap="square" rtlCol="0">
+              <a:spAutoFit/>
+            </a:bodyPr>
+            <a:lstStyle/>
+            <a:p>
+              <a:pPr algn="ctr"/>
+              <a:r>
+                <a:rPr lang="en-US" altLang="ko-KR" dirty="0" smtClean="0"/>
+                <a:t>df$first</a:t>
+              </a:r>
+              <a:endParaRPr lang="ko-KR" altLang="en-US" dirty="0"/>
+            </a:p>
+          </p:txBody>
+        </p:sp>
+        <p:grpSp>
+          <p:nvGrpSpPr>
+            <p:cNvPr id="35" name="그룹 34"/>
+            <p:cNvGrpSpPr/>
+            <p:nvPr/>
+          </p:nvGrpSpPr>
+          <p:grpSpPr>
+            <a:xfrm>
+              <a:off x="4455134" y="1254415"/>
+              <a:ext cx="1288074" cy="1774578"/>
+              <a:chOff x="7560651" y="835271"/>
+              <a:chExt cx="1708638" cy="2215656"/>
+            </a:xfrm>
+          </p:grpSpPr>
+          <p:sp>
+            <p:nvSpPr>
+              <p:cNvPr id="23" name="직사각형 22"/>
+              <p:cNvSpPr/>
+              <p:nvPr/>
+            </p:nvSpPr>
+            <p:spPr>
+              <a:xfrm>
+                <a:off x="7560651" y="835271"/>
+                <a:ext cx="854319" cy="369277"/>
+              </a:xfrm>
+              <a:prstGeom prst="rect">
+                <a:avLst/>
+              </a:prstGeom>
+              <a:ln w="19050">
+                <a:solidFill>
+                  <a:schemeClr val="bg1"/>
+                </a:solidFill>
+              </a:ln>
+            </p:spPr>
+            <p:style>
+              <a:lnRef idx="2">
+                <a:schemeClr val="accent1">
+                  <a:shade val="50000"/>
+                </a:schemeClr>
+              </a:lnRef>
+              <a:fillRef idx="1">
+                <a:schemeClr val="accent1"/>
+              </a:fillRef>
+              <a:effectRef idx="0">
+                <a:schemeClr val="accent1"/>
+              </a:effectRef>
+              <a:fontRef idx="minor">
+                <a:schemeClr val="lt1"/>
+              </a:fontRef>
+            </p:style>
+            <p:txBody>
+              <a:bodyPr rtlCol="0" anchor="ctr"/>
+              <a:lstStyle/>
+              <a:p>
+                <a:pPr algn="ctr"/>
+                <a:endParaRPr lang="ko-KR" altLang="en-US" dirty="0"/>
+              </a:p>
+            </p:txBody>
+          </p:sp>
+          <p:sp>
+            <p:nvSpPr>
+              <p:cNvPr id="24" name="직사각형 23"/>
+              <p:cNvSpPr/>
+              <p:nvPr/>
+            </p:nvSpPr>
+            <p:spPr>
+              <a:xfrm>
+                <a:off x="8414970" y="835271"/>
+                <a:ext cx="854319" cy="369277"/>
+              </a:xfrm>
+              <a:prstGeom prst="rect">
+                <a:avLst/>
+              </a:prstGeom>
+              <a:ln w="19050">
+                <a:solidFill>
+                  <a:schemeClr val="bg1"/>
+                </a:solidFill>
+              </a:ln>
+            </p:spPr>
+            <p:style>
+              <a:lnRef idx="2">
+                <a:schemeClr val="accent1">
+                  <a:shade val="50000"/>
+                </a:schemeClr>
+              </a:lnRef>
+              <a:fillRef idx="1">
+                <a:schemeClr val="accent1"/>
+              </a:fillRef>
+              <a:effectRef idx="0">
+                <a:schemeClr val="accent1"/>
+              </a:effectRef>
+              <a:fontRef idx="minor">
+                <a:schemeClr val="lt1"/>
+              </a:fontRef>
+            </p:style>
+            <p:txBody>
+              <a:bodyPr rtlCol="0" anchor="ctr"/>
+              <a:lstStyle/>
+              <a:p>
+                <a:pPr algn="ctr"/>
+                <a:endParaRPr lang="ko-KR" altLang="en-US" spc="-150" dirty="0"/>
+              </a:p>
+            </p:txBody>
+          </p:sp>
+          <p:sp>
+            <p:nvSpPr>
+              <p:cNvPr id="25" name="직사각형 24"/>
+              <p:cNvSpPr/>
+              <p:nvPr/>
+            </p:nvSpPr>
+            <p:spPr>
+              <a:xfrm>
+                <a:off x="7560651" y="1204548"/>
+                <a:ext cx="854319" cy="369277"/>
+              </a:xfrm>
+              <a:prstGeom prst="rect">
+                <a:avLst/>
+              </a:prstGeom>
+              <a:solidFill>
+                <a:schemeClr val="accent1">
+                  <a:lumMod val="40000"/>
+                  <a:lumOff val="60000"/>
+                </a:schemeClr>
+              </a:solidFill>
+              <a:ln w="19050">
+                <a:solidFill>
+                  <a:schemeClr val="bg1"/>
+                </a:solidFill>
+              </a:ln>
+            </p:spPr>
+            <p:style>
+              <a:lnRef idx="2">
+                <a:schemeClr val="accent1">
+                  <a:shade val="50000"/>
+                </a:schemeClr>
+              </a:lnRef>
+              <a:fillRef idx="1">
+                <a:schemeClr val="accent1"/>
+              </a:fillRef>
+              <a:effectRef idx="0">
+                <a:schemeClr val="accent1"/>
+              </a:effectRef>
+              <a:fontRef idx="minor">
+                <a:schemeClr val="lt1"/>
+              </a:fontRef>
+            </p:style>
+            <p:txBody>
+              <a:bodyPr rtlCol="0" anchor="ctr"/>
+              <a:lstStyle/>
+              <a:p>
+                <a:pPr algn="ctr"/>
+                <a:endParaRPr lang="ko-KR" altLang="en-US" dirty="0">
+                  <a:solidFill>
+                    <a:srgbClr val="002060"/>
+                  </a:solidFill>
+                </a:endParaRPr>
+              </a:p>
+            </p:txBody>
+          </p:sp>
+          <p:sp>
+            <p:nvSpPr>
+              <p:cNvPr id="26" name="직사각형 25"/>
+              <p:cNvSpPr/>
+              <p:nvPr/>
+            </p:nvSpPr>
+            <p:spPr>
+              <a:xfrm>
+                <a:off x="8414970" y="1204548"/>
+                <a:ext cx="854319" cy="369277"/>
+              </a:xfrm>
+              <a:prstGeom prst="rect">
+                <a:avLst/>
+              </a:prstGeom>
+              <a:solidFill>
+                <a:schemeClr val="accent1">
+                  <a:lumMod val="40000"/>
+                  <a:lumOff val="60000"/>
+                </a:schemeClr>
+              </a:solidFill>
+              <a:ln w="19050">
+                <a:solidFill>
+                  <a:schemeClr val="bg1"/>
+                </a:solidFill>
+              </a:ln>
+            </p:spPr>
+            <p:style>
+              <a:lnRef idx="2">
+                <a:schemeClr val="accent1">
+                  <a:shade val="50000"/>
+                </a:schemeClr>
+              </a:lnRef>
+              <a:fillRef idx="1">
+                <a:schemeClr val="accent1"/>
+              </a:fillRef>
+              <a:effectRef idx="0">
+                <a:schemeClr val="accent1"/>
+              </a:effectRef>
+              <a:fontRef idx="minor">
+                <a:schemeClr val="lt1"/>
+              </a:fontRef>
+            </p:style>
+            <p:txBody>
+              <a:bodyPr rtlCol="0" anchor="ctr"/>
+              <a:lstStyle/>
+              <a:p>
+                <a:pPr algn="ctr"/>
+                <a:endParaRPr lang="ko-KR" altLang="en-US" dirty="0">
+                  <a:solidFill>
+                    <a:srgbClr val="002060"/>
+                  </a:solidFill>
+                </a:endParaRPr>
+              </a:p>
+            </p:txBody>
+          </p:sp>
+          <p:sp>
+            <p:nvSpPr>
+              <p:cNvPr id="27" name="직사각형 26"/>
+              <p:cNvSpPr/>
+              <p:nvPr/>
+            </p:nvSpPr>
+            <p:spPr>
+              <a:xfrm>
+                <a:off x="7560651" y="1573824"/>
+                <a:ext cx="854319" cy="369277"/>
+              </a:xfrm>
+              <a:prstGeom prst="rect">
+                <a:avLst/>
+              </a:prstGeom>
+              <a:solidFill>
+                <a:schemeClr val="accent1">
+                  <a:lumMod val="40000"/>
+                  <a:lumOff val="60000"/>
+                </a:schemeClr>
+              </a:solidFill>
+              <a:ln w="19050">
+                <a:solidFill>
+                  <a:schemeClr val="bg1"/>
+                </a:solidFill>
+              </a:ln>
+            </p:spPr>
+            <p:style>
+              <a:lnRef idx="2">
+                <a:schemeClr val="accent1">
+                  <a:shade val="50000"/>
+                </a:schemeClr>
+              </a:lnRef>
+              <a:fillRef idx="1">
+                <a:schemeClr val="accent1"/>
+              </a:fillRef>
+              <a:effectRef idx="0">
+                <a:schemeClr val="accent1"/>
+              </a:effectRef>
+              <a:fontRef idx="minor">
+                <a:schemeClr val="lt1"/>
+              </a:fontRef>
+            </p:style>
+            <p:txBody>
+              <a:bodyPr rtlCol="0" anchor="ctr"/>
+              <a:lstStyle/>
+              <a:p>
+                <a:pPr algn="ctr"/>
+                <a:endParaRPr lang="ko-KR" altLang="en-US" dirty="0">
+                  <a:solidFill>
+                    <a:srgbClr val="002060"/>
+                  </a:solidFill>
+                </a:endParaRPr>
+              </a:p>
+            </p:txBody>
+          </p:sp>
+          <p:sp>
+            <p:nvSpPr>
+              <p:cNvPr id="28" name="직사각형 27"/>
+              <p:cNvSpPr/>
+              <p:nvPr/>
+            </p:nvSpPr>
+            <p:spPr>
+              <a:xfrm>
+                <a:off x="8414970" y="1573824"/>
+                <a:ext cx="854319" cy="369277"/>
+              </a:xfrm>
+              <a:prstGeom prst="rect">
+                <a:avLst/>
+              </a:prstGeom>
+              <a:solidFill>
+                <a:schemeClr val="accent1">
+                  <a:lumMod val="40000"/>
+                  <a:lumOff val="60000"/>
+                </a:schemeClr>
+              </a:solidFill>
+              <a:ln w="19050">
+                <a:solidFill>
+                  <a:schemeClr val="bg1"/>
+                </a:solidFill>
+              </a:ln>
+            </p:spPr>
+            <p:style>
+              <a:lnRef idx="2">
+                <a:schemeClr val="accent1">
+                  <a:shade val="50000"/>
+                </a:schemeClr>
+              </a:lnRef>
+              <a:fillRef idx="1">
+                <a:schemeClr val="accent1"/>
+              </a:fillRef>
+              <a:effectRef idx="0">
+                <a:schemeClr val="accent1"/>
+              </a:effectRef>
+              <a:fontRef idx="minor">
+                <a:schemeClr val="lt1"/>
+              </a:fontRef>
+            </p:style>
+            <p:txBody>
+              <a:bodyPr rtlCol="0" anchor="ctr"/>
+              <a:lstStyle/>
+              <a:p>
+                <a:pPr algn="ctr"/>
+                <a:endParaRPr lang="ko-KR" altLang="en-US" dirty="0">
+                  <a:solidFill>
+                    <a:srgbClr val="002060"/>
+                  </a:solidFill>
+                </a:endParaRPr>
+              </a:p>
+            </p:txBody>
+          </p:sp>
+          <p:sp>
+            <p:nvSpPr>
+              <p:cNvPr id="29" name="직사각형 28"/>
+              <p:cNvSpPr/>
+              <p:nvPr/>
+            </p:nvSpPr>
+            <p:spPr>
+              <a:xfrm>
+                <a:off x="7560651" y="1943101"/>
+                <a:ext cx="854319" cy="369277"/>
+              </a:xfrm>
+              <a:prstGeom prst="rect">
+                <a:avLst/>
+              </a:prstGeom>
+              <a:solidFill>
+                <a:schemeClr val="accent1">
+                  <a:lumMod val="40000"/>
+                  <a:lumOff val="60000"/>
+                </a:schemeClr>
+              </a:solidFill>
+              <a:ln w="19050">
+                <a:solidFill>
+                  <a:schemeClr val="bg1"/>
+                </a:solidFill>
+              </a:ln>
+            </p:spPr>
+            <p:style>
+              <a:lnRef idx="2">
+                <a:schemeClr val="accent1">
+                  <a:shade val="50000"/>
+                </a:schemeClr>
+              </a:lnRef>
+              <a:fillRef idx="1">
+                <a:schemeClr val="accent1"/>
+              </a:fillRef>
+              <a:effectRef idx="0">
+                <a:schemeClr val="accent1"/>
+              </a:effectRef>
+              <a:fontRef idx="minor">
+                <a:schemeClr val="lt1"/>
+              </a:fontRef>
+            </p:style>
+            <p:txBody>
+              <a:bodyPr rtlCol="0" anchor="ctr"/>
+              <a:lstStyle/>
+              <a:p>
+                <a:pPr algn="ctr"/>
+                <a:endParaRPr lang="ko-KR" altLang="en-US" dirty="0">
+                  <a:solidFill>
+                    <a:srgbClr val="002060"/>
+                  </a:solidFill>
+                </a:endParaRPr>
+              </a:p>
+            </p:txBody>
+          </p:sp>
+          <p:sp>
+            <p:nvSpPr>
+              <p:cNvPr id="30" name="직사각형 29"/>
+              <p:cNvSpPr/>
+              <p:nvPr/>
+            </p:nvSpPr>
+            <p:spPr>
+              <a:xfrm>
+                <a:off x="8414970" y="1943100"/>
+                <a:ext cx="854319" cy="369277"/>
+              </a:xfrm>
+              <a:prstGeom prst="rect">
+                <a:avLst/>
+              </a:prstGeom>
+              <a:solidFill>
+                <a:schemeClr val="accent1">
+                  <a:lumMod val="40000"/>
+                  <a:lumOff val="60000"/>
+                </a:schemeClr>
+              </a:solidFill>
+              <a:ln w="19050">
+                <a:solidFill>
+                  <a:schemeClr val="bg1"/>
+                </a:solidFill>
+              </a:ln>
+            </p:spPr>
+            <p:style>
+              <a:lnRef idx="2">
+                <a:schemeClr val="accent1">
+                  <a:shade val="50000"/>
+                </a:schemeClr>
+              </a:lnRef>
+              <a:fillRef idx="1">
+                <a:schemeClr val="accent1"/>
+              </a:fillRef>
+              <a:effectRef idx="0">
+                <a:schemeClr val="accent1"/>
+              </a:effectRef>
+              <a:fontRef idx="minor">
+                <a:schemeClr val="lt1"/>
+              </a:fontRef>
+            </p:style>
+            <p:txBody>
+              <a:bodyPr rtlCol="0" anchor="ctr"/>
+              <a:lstStyle/>
+              <a:p>
+                <a:pPr algn="ctr"/>
+                <a:endParaRPr lang="ko-KR" altLang="en-US" dirty="0">
+                  <a:solidFill>
+                    <a:srgbClr val="002060"/>
+                  </a:solidFill>
+                </a:endParaRPr>
+              </a:p>
+            </p:txBody>
+          </p:sp>
+          <p:sp>
+            <p:nvSpPr>
+              <p:cNvPr id="31" name="직사각형 30"/>
+              <p:cNvSpPr/>
+              <p:nvPr/>
+            </p:nvSpPr>
+            <p:spPr>
+              <a:xfrm>
+                <a:off x="7560651" y="2312377"/>
+                <a:ext cx="854319" cy="369277"/>
+              </a:xfrm>
+              <a:prstGeom prst="rect">
+                <a:avLst/>
+              </a:prstGeom>
+              <a:solidFill>
+                <a:schemeClr val="accent1">
+                  <a:lumMod val="40000"/>
+                  <a:lumOff val="60000"/>
+                </a:schemeClr>
+              </a:solidFill>
+              <a:ln w="19050">
+                <a:solidFill>
+                  <a:schemeClr val="bg1"/>
+                </a:solidFill>
+              </a:ln>
+            </p:spPr>
+            <p:style>
+              <a:lnRef idx="2">
+                <a:schemeClr val="accent1">
+                  <a:shade val="50000"/>
+                </a:schemeClr>
+              </a:lnRef>
+              <a:fillRef idx="1">
+                <a:schemeClr val="accent1"/>
+              </a:fillRef>
+              <a:effectRef idx="0">
+                <a:schemeClr val="accent1"/>
+              </a:effectRef>
+              <a:fontRef idx="minor">
+                <a:schemeClr val="lt1"/>
+              </a:fontRef>
+            </p:style>
+            <p:txBody>
+              <a:bodyPr rtlCol="0" anchor="ctr"/>
+              <a:lstStyle/>
+              <a:p>
+                <a:pPr algn="ctr"/>
+                <a:endParaRPr lang="ko-KR" altLang="en-US" dirty="0">
+                  <a:solidFill>
+                    <a:srgbClr val="002060"/>
+                  </a:solidFill>
+                </a:endParaRPr>
+              </a:p>
+            </p:txBody>
+          </p:sp>
+          <p:sp>
+            <p:nvSpPr>
+              <p:cNvPr id="32" name="직사각형 31"/>
+              <p:cNvSpPr/>
+              <p:nvPr/>
+            </p:nvSpPr>
+            <p:spPr>
+              <a:xfrm>
+                <a:off x="8414970" y="2312375"/>
+                <a:ext cx="854319" cy="369277"/>
+              </a:xfrm>
+              <a:prstGeom prst="rect">
+                <a:avLst/>
+              </a:prstGeom>
+              <a:solidFill>
+                <a:schemeClr val="accent1">
+                  <a:lumMod val="40000"/>
+                  <a:lumOff val="60000"/>
+                </a:schemeClr>
+              </a:solidFill>
+              <a:ln w="19050">
+                <a:solidFill>
+                  <a:schemeClr val="bg1"/>
+                </a:solidFill>
+              </a:ln>
+            </p:spPr>
+            <p:style>
+              <a:lnRef idx="2">
+                <a:schemeClr val="accent1">
+                  <a:shade val="50000"/>
+                </a:schemeClr>
+              </a:lnRef>
+              <a:fillRef idx="1">
+                <a:schemeClr val="accent1"/>
+              </a:fillRef>
+              <a:effectRef idx="0">
+                <a:schemeClr val="accent1"/>
+              </a:effectRef>
+              <a:fontRef idx="minor">
+                <a:schemeClr val="lt1"/>
+              </a:fontRef>
+            </p:style>
+            <p:txBody>
+              <a:bodyPr rtlCol="0" anchor="ctr"/>
+              <a:lstStyle/>
+              <a:p>
+                <a:pPr algn="ctr"/>
+                <a:endParaRPr lang="ko-KR" altLang="en-US" dirty="0">
+                  <a:solidFill>
+                    <a:srgbClr val="002060"/>
+                  </a:solidFill>
+                </a:endParaRPr>
+              </a:p>
+            </p:txBody>
+          </p:sp>
+          <p:sp>
+            <p:nvSpPr>
+              <p:cNvPr id="33" name="직사각형 32"/>
+              <p:cNvSpPr/>
+              <p:nvPr/>
+            </p:nvSpPr>
+            <p:spPr>
+              <a:xfrm>
+                <a:off x="7560651" y="2681650"/>
+                <a:ext cx="854319" cy="369277"/>
+              </a:xfrm>
+              <a:prstGeom prst="rect">
+                <a:avLst/>
+              </a:prstGeom>
+              <a:solidFill>
+                <a:schemeClr val="accent1">
+                  <a:lumMod val="40000"/>
+                  <a:lumOff val="60000"/>
+                </a:schemeClr>
+              </a:solidFill>
+              <a:ln w="19050">
+                <a:solidFill>
+                  <a:schemeClr val="bg1"/>
+                </a:solidFill>
+              </a:ln>
+            </p:spPr>
+            <p:style>
+              <a:lnRef idx="2">
+                <a:schemeClr val="accent1">
+                  <a:shade val="50000"/>
+                </a:schemeClr>
+              </a:lnRef>
+              <a:fillRef idx="1">
+                <a:schemeClr val="accent1"/>
+              </a:fillRef>
+              <a:effectRef idx="0">
+                <a:schemeClr val="accent1"/>
+              </a:effectRef>
+              <a:fontRef idx="minor">
+                <a:schemeClr val="lt1"/>
+              </a:fontRef>
+            </p:style>
+            <p:txBody>
+              <a:bodyPr rtlCol="0" anchor="ctr"/>
+              <a:lstStyle/>
+              <a:p>
+                <a:pPr algn="ctr"/>
+                <a:endParaRPr lang="ko-KR" altLang="en-US" dirty="0">
+                  <a:solidFill>
+                    <a:srgbClr val="002060"/>
+                  </a:solidFill>
+                </a:endParaRPr>
+              </a:p>
+            </p:txBody>
+          </p:sp>
+          <p:sp>
+            <p:nvSpPr>
+              <p:cNvPr id="34" name="직사각형 33"/>
+              <p:cNvSpPr/>
+              <p:nvPr/>
+            </p:nvSpPr>
+            <p:spPr>
+              <a:xfrm>
+                <a:off x="8414970" y="2681650"/>
+                <a:ext cx="854319" cy="369277"/>
+              </a:xfrm>
+              <a:prstGeom prst="rect">
+                <a:avLst/>
+              </a:prstGeom>
+              <a:solidFill>
+                <a:schemeClr val="accent1">
+                  <a:lumMod val="40000"/>
+                  <a:lumOff val="60000"/>
+                </a:schemeClr>
+              </a:solidFill>
+              <a:ln w="19050">
+                <a:solidFill>
+                  <a:schemeClr val="bg1"/>
+                </a:solidFill>
+              </a:ln>
+            </p:spPr>
+            <p:style>
+              <a:lnRef idx="2">
+                <a:schemeClr val="accent1">
+                  <a:shade val="50000"/>
+                </a:schemeClr>
+              </a:lnRef>
+              <a:fillRef idx="1">
+                <a:schemeClr val="accent1"/>
+              </a:fillRef>
+              <a:effectRef idx="0">
+                <a:schemeClr val="accent1"/>
+              </a:effectRef>
+              <a:fontRef idx="minor">
+                <a:schemeClr val="lt1"/>
+              </a:fontRef>
+            </p:style>
+            <p:txBody>
+              <a:bodyPr rtlCol="0" anchor="ctr"/>
+              <a:lstStyle/>
+              <a:p>
+                <a:pPr algn="ctr"/>
+                <a:endParaRPr lang="ko-KR" altLang="en-US" dirty="0">
+                  <a:solidFill>
+                    <a:srgbClr val="002060"/>
+                  </a:solidFill>
+                </a:endParaRPr>
+              </a:p>
+            </p:txBody>
+          </p:sp>
+        </p:grpSp>
+        <p:sp>
+          <p:nvSpPr>
+            <p:cNvPr id="49" name="모서리가 둥근 직사각형 48"/>
+            <p:cNvSpPr/>
+            <p:nvPr/>
+          </p:nvSpPr>
+          <p:spPr>
+            <a:xfrm>
+              <a:off x="4381506" y="1209186"/>
+              <a:ext cx="781050" cy="1905489"/>
+            </a:xfrm>
+            <a:prstGeom prst="roundRect">
+              <a:avLst/>
+            </a:prstGeom>
+            <a:noFill/>
+            <a:ln w="25400">
+              <a:solidFill>
+                <a:srgbClr val="FF0000"/>
+              </a:solidFill>
+            </a:ln>
+          </p:spPr>
+          <p:style>
+            <a:lnRef idx="2">
+              <a:schemeClr val="accent1">
+                <a:shade val="50000"/>
+              </a:schemeClr>
+            </a:lnRef>
+            <a:fillRef idx="1">
+              <a:schemeClr val="accent1"/>
+            </a:fillRef>
+            <a:effectRef idx="0">
+              <a:schemeClr val="accent1"/>
+            </a:effectRef>
+            <a:fontRef idx="minor">
+              <a:schemeClr val="lt1"/>
+            </a:fontRef>
+          </p:style>
+          <p:txBody>
+            <a:bodyPr rtlCol="0" anchor="ctr"/>
+            <a:lstStyle/>
+            <a:p>
+              <a:pPr algn="ctr"/>
+              <a:endParaRPr lang="ko-KR" altLang="en-US"/>
+            </a:p>
+          </p:txBody>
+        </p:sp>
+        <p:sp>
+          <p:nvSpPr>
+            <p:cNvPr id="77" name="TextBox 76"/>
+            <p:cNvSpPr txBox="1"/>
+            <p:nvPr/>
+          </p:nvSpPr>
+          <p:spPr>
+            <a:xfrm>
+              <a:off x="6038667" y="844617"/>
+              <a:ext cx="1038226" cy="369332"/>
+            </a:xfrm>
+            <a:prstGeom prst="rect">
+              <a:avLst/>
+            </a:prstGeom>
+            <a:noFill/>
+          </p:spPr>
+          <p:txBody>
+            <a:bodyPr wrap="square" rtlCol="0">
+              <a:spAutoFit/>
+            </a:bodyPr>
+            <a:lstStyle/>
+            <a:p>
+              <a:pPr algn="ctr"/>
+              <a:r>
+                <a:rPr lang="en-US" altLang="ko-KR" dirty="0" smtClean="0"/>
+                <a:t>df[[2]]</a:t>
+              </a:r>
+              <a:endParaRPr lang="ko-KR" altLang="en-US" dirty="0"/>
+            </a:p>
+          </p:txBody>
+        </p:sp>
+        <p:sp>
+          <p:nvSpPr>
+            <p:cNvPr id="169" name="TextBox 168"/>
+            <p:cNvSpPr txBox="1"/>
+            <p:nvPr/>
+          </p:nvSpPr>
+          <p:spPr>
+            <a:xfrm>
+              <a:off x="5099171" y="5632742"/>
+              <a:ext cx="1538290" cy="369332"/>
+            </a:xfrm>
+            <a:prstGeom prst="rect">
+              <a:avLst/>
+            </a:prstGeom>
+            <a:noFill/>
+          </p:spPr>
+          <p:txBody>
+            <a:bodyPr wrap="square" rtlCol="0">
+              <a:spAutoFit/>
+            </a:bodyPr>
+            <a:lstStyle/>
+            <a:p>
+              <a:pPr algn="ctr"/>
+              <a:r>
+                <a:rPr lang="ko-KR" altLang="en-US" dirty="0" smtClean="0"/>
+                <a:t>리스트 방식</a:t>
+              </a:r>
+              <a:endParaRPr lang="ko-KR" altLang="en-US" dirty="0"/>
+            </a:p>
+          </p:txBody>
+        </p:sp>
+        <p:grpSp>
+          <p:nvGrpSpPr>
+            <p:cNvPr id="171" name="그룹 170"/>
+            <p:cNvGrpSpPr/>
+            <p:nvPr/>
+          </p:nvGrpSpPr>
+          <p:grpSpPr>
+            <a:xfrm>
+              <a:off x="5950217" y="1254415"/>
+              <a:ext cx="1288074" cy="1774578"/>
+              <a:chOff x="7560651" y="835271"/>
+              <a:chExt cx="1708638" cy="2215656"/>
+            </a:xfrm>
+          </p:grpSpPr>
+          <p:sp>
+            <p:nvSpPr>
+              <p:cNvPr id="172" name="직사각형 171"/>
+              <p:cNvSpPr/>
+              <p:nvPr/>
+            </p:nvSpPr>
+            <p:spPr>
+              <a:xfrm>
+                <a:off x="7560651" y="835271"/>
+                <a:ext cx="854319" cy="369277"/>
+              </a:xfrm>
+              <a:prstGeom prst="rect">
+                <a:avLst/>
+              </a:prstGeom>
+              <a:ln w="19050">
+                <a:solidFill>
+                  <a:schemeClr val="bg1"/>
+                </a:solidFill>
+              </a:ln>
+            </p:spPr>
+            <p:style>
+              <a:lnRef idx="2">
+                <a:schemeClr val="accent1">
+                  <a:shade val="50000"/>
+                </a:schemeClr>
+              </a:lnRef>
+              <a:fillRef idx="1">
+                <a:schemeClr val="accent1"/>
+              </a:fillRef>
+              <a:effectRef idx="0">
+                <a:schemeClr val="accent1"/>
+              </a:effectRef>
+              <a:fontRef idx="minor">
+                <a:schemeClr val="lt1"/>
+              </a:fontRef>
+            </p:style>
+            <p:txBody>
+              <a:bodyPr rtlCol="0" anchor="ctr"/>
+              <a:lstStyle/>
+              <a:p>
+                <a:pPr algn="ctr"/>
+                <a:endParaRPr lang="ko-KR" altLang="en-US" dirty="0"/>
+              </a:p>
+            </p:txBody>
+          </p:sp>
+          <p:sp>
+            <p:nvSpPr>
+              <p:cNvPr id="173" name="직사각형 172"/>
+              <p:cNvSpPr/>
+              <p:nvPr/>
+            </p:nvSpPr>
+            <p:spPr>
+              <a:xfrm>
+                <a:off x="8414970" y="835271"/>
+                <a:ext cx="854319" cy="369277"/>
+              </a:xfrm>
+              <a:prstGeom prst="rect">
+                <a:avLst/>
+              </a:prstGeom>
+              <a:ln w="19050">
+                <a:solidFill>
+                  <a:schemeClr val="bg1"/>
+                </a:solidFill>
+              </a:ln>
+            </p:spPr>
+            <p:style>
+              <a:lnRef idx="2">
+                <a:schemeClr val="accent1">
+                  <a:shade val="50000"/>
+                </a:schemeClr>
+              </a:lnRef>
+              <a:fillRef idx="1">
+                <a:schemeClr val="accent1"/>
+              </a:fillRef>
+              <a:effectRef idx="0">
+                <a:schemeClr val="accent1"/>
+              </a:effectRef>
+              <a:fontRef idx="minor">
+                <a:schemeClr val="lt1"/>
+              </a:fontRef>
+            </p:style>
+            <p:txBody>
+              <a:bodyPr rtlCol="0" anchor="ctr"/>
+              <a:lstStyle/>
+              <a:p>
+                <a:pPr algn="ctr"/>
+                <a:endParaRPr lang="ko-KR" altLang="en-US" spc="-150" dirty="0"/>
+              </a:p>
+            </p:txBody>
+          </p:sp>
+          <p:sp>
+            <p:nvSpPr>
+              <p:cNvPr id="174" name="직사각형 173"/>
+              <p:cNvSpPr/>
+              <p:nvPr/>
+            </p:nvSpPr>
+            <p:spPr>
+              <a:xfrm>
+                <a:off x="7560651" y="1204548"/>
+                <a:ext cx="854319" cy="369277"/>
+              </a:xfrm>
+              <a:prstGeom prst="rect">
+                <a:avLst/>
+              </a:prstGeom>
+              <a:solidFill>
+                <a:schemeClr val="accent1">
+                  <a:lumMod val="40000"/>
+                  <a:lumOff val="60000"/>
+                </a:schemeClr>
+              </a:solidFill>
+              <a:ln w="19050">
+                <a:solidFill>
+                  <a:schemeClr val="bg1"/>
+                </a:solidFill>
+              </a:ln>
+            </p:spPr>
+            <p:style>
+              <a:lnRef idx="2">
+                <a:schemeClr val="accent1">
+                  <a:shade val="50000"/>
+                </a:schemeClr>
+              </a:lnRef>
+              <a:fillRef idx="1">
+                <a:schemeClr val="accent1"/>
+              </a:fillRef>
+              <a:effectRef idx="0">
+                <a:schemeClr val="accent1"/>
+              </a:effectRef>
+              <a:fontRef idx="minor">
+                <a:schemeClr val="lt1"/>
+              </a:fontRef>
+            </p:style>
+            <p:txBody>
+              <a:bodyPr rtlCol="0" anchor="ctr"/>
+              <a:lstStyle/>
+              <a:p>
+                <a:pPr algn="ctr"/>
+                <a:endParaRPr lang="ko-KR" altLang="en-US" dirty="0">
+                  <a:solidFill>
+                    <a:srgbClr val="002060"/>
+                  </a:solidFill>
+                </a:endParaRPr>
+              </a:p>
+            </p:txBody>
+          </p:sp>
+          <p:sp>
+            <p:nvSpPr>
+              <p:cNvPr id="175" name="직사각형 174"/>
+              <p:cNvSpPr/>
+              <p:nvPr/>
+            </p:nvSpPr>
+            <p:spPr>
+              <a:xfrm>
+                <a:off x="8414970" y="1204548"/>
+                <a:ext cx="854319" cy="369277"/>
+              </a:xfrm>
+              <a:prstGeom prst="rect">
+                <a:avLst/>
+              </a:prstGeom>
+              <a:solidFill>
+                <a:schemeClr val="accent1">
+                  <a:lumMod val="40000"/>
+                  <a:lumOff val="60000"/>
+                </a:schemeClr>
+              </a:solidFill>
+              <a:ln w="19050">
+                <a:solidFill>
+                  <a:schemeClr val="bg1"/>
+                </a:solidFill>
+              </a:ln>
+            </p:spPr>
+            <p:style>
+              <a:lnRef idx="2">
+                <a:schemeClr val="accent1">
+                  <a:shade val="50000"/>
+                </a:schemeClr>
+              </a:lnRef>
+              <a:fillRef idx="1">
+                <a:schemeClr val="accent1"/>
+              </a:fillRef>
+              <a:effectRef idx="0">
+                <a:schemeClr val="accent1"/>
+              </a:effectRef>
+              <a:fontRef idx="minor">
+                <a:schemeClr val="lt1"/>
+              </a:fontRef>
+            </p:style>
+            <p:txBody>
+              <a:bodyPr rtlCol="0" anchor="ctr"/>
+              <a:lstStyle/>
+              <a:p>
+                <a:pPr algn="ctr"/>
+                <a:endParaRPr lang="ko-KR" altLang="en-US" dirty="0">
+                  <a:solidFill>
+                    <a:srgbClr val="002060"/>
+                  </a:solidFill>
+                </a:endParaRPr>
+              </a:p>
+            </p:txBody>
+          </p:sp>
+          <p:sp>
+            <p:nvSpPr>
+              <p:cNvPr id="176" name="직사각형 175"/>
+              <p:cNvSpPr/>
+              <p:nvPr/>
+            </p:nvSpPr>
+            <p:spPr>
+              <a:xfrm>
+                <a:off x="7560651" y="1573824"/>
+                <a:ext cx="854319" cy="369277"/>
+              </a:xfrm>
+              <a:prstGeom prst="rect">
+                <a:avLst/>
+              </a:prstGeom>
+              <a:solidFill>
+                <a:schemeClr val="accent1">
+                  <a:lumMod val="40000"/>
+                  <a:lumOff val="60000"/>
+                </a:schemeClr>
+              </a:solidFill>
+              <a:ln w="19050">
+                <a:solidFill>
+                  <a:schemeClr val="bg1"/>
+                </a:solidFill>
+              </a:ln>
+            </p:spPr>
+            <p:style>
+              <a:lnRef idx="2">
+                <a:schemeClr val="accent1">
+                  <a:shade val="50000"/>
+                </a:schemeClr>
+              </a:lnRef>
+              <a:fillRef idx="1">
+                <a:schemeClr val="accent1"/>
+              </a:fillRef>
+              <a:effectRef idx="0">
+                <a:schemeClr val="accent1"/>
+              </a:effectRef>
+              <a:fontRef idx="minor">
+                <a:schemeClr val="lt1"/>
+              </a:fontRef>
+            </p:style>
+            <p:txBody>
+              <a:bodyPr rtlCol="0" anchor="ctr"/>
+              <a:lstStyle/>
+              <a:p>
+                <a:pPr algn="ctr"/>
+                <a:endParaRPr lang="ko-KR" altLang="en-US" dirty="0">
+                  <a:solidFill>
+                    <a:srgbClr val="002060"/>
+                  </a:solidFill>
+                </a:endParaRPr>
+              </a:p>
+            </p:txBody>
+          </p:sp>
+          <p:sp>
+            <p:nvSpPr>
+              <p:cNvPr id="177" name="직사각형 176"/>
+              <p:cNvSpPr/>
+              <p:nvPr/>
+            </p:nvSpPr>
+            <p:spPr>
+              <a:xfrm>
+                <a:off x="8414970" y="1573824"/>
+                <a:ext cx="854319" cy="369277"/>
+              </a:xfrm>
+              <a:prstGeom prst="rect">
+                <a:avLst/>
+              </a:prstGeom>
+              <a:solidFill>
+                <a:schemeClr val="accent1">
+                  <a:lumMod val="40000"/>
+                  <a:lumOff val="60000"/>
+                </a:schemeClr>
+              </a:solidFill>
+              <a:ln w="19050">
+                <a:solidFill>
+                  <a:schemeClr val="bg1"/>
+                </a:solidFill>
+              </a:ln>
+            </p:spPr>
+            <p:style>
+              <a:lnRef idx="2">
+                <a:schemeClr val="accent1">
+                  <a:shade val="50000"/>
+                </a:schemeClr>
+              </a:lnRef>
+              <a:fillRef idx="1">
+                <a:schemeClr val="accent1"/>
+              </a:fillRef>
+              <a:effectRef idx="0">
+                <a:schemeClr val="accent1"/>
+              </a:effectRef>
+              <a:fontRef idx="minor">
+                <a:schemeClr val="lt1"/>
+              </a:fontRef>
+            </p:style>
+            <p:txBody>
+              <a:bodyPr rtlCol="0" anchor="ctr"/>
+              <a:lstStyle/>
+              <a:p>
+                <a:pPr algn="ctr"/>
+                <a:endParaRPr lang="ko-KR" altLang="en-US" dirty="0">
+                  <a:solidFill>
+                    <a:srgbClr val="002060"/>
+                  </a:solidFill>
+                </a:endParaRPr>
+              </a:p>
+            </p:txBody>
+          </p:sp>
+          <p:sp>
+            <p:nvSpPr>
+              <p:cNvPr id="178" name="직사각형 177"/>
+              <p:cNvSpPr/>
+              <p:nvPr/>
+            </p:nvSpPr>
+            <p:spPr>
+              <a:xfrm>
+                <a:off x="7560651" y="1943101"/>
+                <a:ext cx="854319" cy="369277"/>
+              </a:xfrm>
+              <a:prstGeom prst="rect">
+                <a:avLst/>
+              </a:prstGeom>
+              <a:solidFill>
+                <a:schemeClr val="accent1">
+                  <a:lumMod val="40000"/>
+                  <a:lumOff val="60000"/>
+                </a:schemeClr>
+              </a:solidFill>
+              <a:ln w="19050">
+                <a:solidFill>
+                  <a:schemeClr val="bg1"/>
+                </a:solidFill>
+              </a:ln>
+            </p:spPr>
+            <p:style>
+              <a:lnRef idx="2">
+                <a:schemeClr val="accent1">
+                  <a:shade val="50000"/>
+                </a:schemeClr>
+              </a:lnRef>
+              <a:fillRef idx="1">
+                <a:schemeClr val="accent1"/>
+              </a:fillRef>
+              <a:effectRef idx="0">
+                <a:schemeClr val="accent1"/>
+              </a:effectRef>
+              <a:fontRef idx="minor">
+                <a:schemeClr val="lt1"/>
+              </a:fontRef>
+            </p:style>
+            <p:txBody>
+              <a:bodyPr rtlCol="0" anchor="ctr"/>
+              <a:lstStyle/>
+              <a:p>
+                <a:pPr algn="ctr"/>
+                <a:endParaRPr lang="ko-KR" altLang="en-US" dirty="0">
+                  <a:solidFill>
+                    <a:srgbClr val="002060"/>
+                  </a:solidFill>
+                </a:endParaRPr>
+              </a:p>
+            </p:txBody>
+          </p:sp>
+          <p:sp>
+            <p:nvSpPr>
+              <p:cNvPr id="179" name="직사각형 178"/>
+              <p:cNvSpPr/>
+              <p:nvPr/>
+            </p:nvSpPr>
+            <p:spPr>
+              <a:xfrm>
+                <a:off x="8414970" y="1943100"/>
+                <a:ext cx="854319" cy="369277"/>
+              </a:xfrm>
+              <a:prstGeom prst="rect">
+                <a:avLst/>
+              </a:prstGeom>
+              <a:solidFill>
+                <a:schemeClr val="accent1">
+                  <a:lumMod val="40000"/>
+                  <a:lumOff val="60000"/>
+                </a:schemeClr>
+              </a:solidFill>
+              <a:ln w="19050">
+                <a:solidFill>
+                  <a:schemeClr val="bg1"/>
+                </a:solidFill>
+              </a:ln>
+            </p:spPr>
+            <p:style>
+              <a:lnRef idx="2">
+                <a:schemeClr val="accent1">
+                  <a:shade val="50000"/>
+                </a:schemeClr>
+              </a:lnRef>
+              <a:fillRef idx="1">
+                <a:schemeClr val="accent1"/>
+              </a:fillRef>
+              <a:effectRef idx="0">
+                <a:schemeClr val="accent1"/>
+              </a:effectRef>
+              <a:fontRef idx="minor">
+                <a:schemeClr val="lt1"/>
+              </a:fontRef>
+            </p:style>
+            <p:txBody>
+              <a:bodyPr rtlCol="0" anchor="ctr"/>
+              <a:lstStyle/>
+              <a:p>
+                <a:pPr algn="ctr"/>
+                <a:endParaRPr lang="ko-KR" altLang="en-US" dirty="0">
+                  <a:solidFill>
+                    <a:srgbClr val="002060"/>
+                  </a:solidFill>
+                </a:endParaRPr>
+              </a:p>
+            </p:txBody>
+          </p:sp>
+          <p:sp>
+            <p:nvSpPr>
+              <p:cNvPr id="180" name="직사각형 179"/>
+              <p:cNvSpPr/>
+              <p:nvPr/>
+            </p:nvSpPr>
+            <p:spPr>
+              <a:xfrm>
+                <a:off x="7560651" y="2312377"/>
+                <a:ext cx="854319" cy="369277"/>
+              </a:xfrm>
+              <a:prstGeom prst="rect">
+                <a:avLst/>
+              </a:prstGeom>
+              <a:solidFill>
+                <a:schemeClr val="accent1">
+                  <a:lumMod val="40000"/>
+                  <a:lumOff val="60000"/>
+                </a:schemeClr>
+              </a:solidFill>
+              <a:ln w="19050">
+                <a:solidFill>
+                  <a:schemeClr val="bg1"/>
+                </a:solidFill>
+              </a:ln>
+            </p:spPr>
+            <p:style>
+              <a:lnRef idx="2">
+                <a:schemeClr val="accent1">
+                  <a:shade val="50000"/>
+                </a:schemeClr>
+              </a:lnRef>
+              <a:fillRef idx="1">
+                <a:schemeClr val="accent1"/>
+              </a:fillRef>
+              <a:effectRef idx="0">
+                <a:schemeClr val="accent1"/>
+              </a:effectRef>
+              <a:fontRef idx="minor">
+                <a:schemeClr val="lt1"/>
+              </a:fontRef>
+            </p:style>
+            <p:txBody>
+              <a:bodyPr rtlCol="0" anchor="ctr"/>
+              <a:lstStyle/>
+              <a:p>
+                <a:pPr algn="ctr"/>
+                <a:endParaRPr lang="ko-KR" altLang="en-US" dirty="0">
+                  <a:solidFill>
+                    <a:srgbClr val="002060"/>
+                  </a:solidFill>
+                </a:endParaRPr>
+              </a:p>
+            </p:txBody>
+          </p:sp>
+          <p:sp>
+            <p:nvSpPr>
+              <p:cNvPr id="181" name="직사각형 180"/>
+              <p:cNvSpPr/>
+              <p:nvPr/>
+            </p:nvSpPr>
+            <p:spPr>
+              <a:xfrm>
+                <a:off x="8414970" y="2312375"/>
+                <a:ext cx="854319" cy="369277"/>
+              </a:xfrm>
+              <a:prstGeom prst="rect">
+                <a:avLst/>
+              </a:prstGeom>
+              <a:solidFill>
+                <a:schemeClr val="accent1">
+                  <a:lumMod val="40000"/>
+                  <a:lumOff val="60000"/>
+                </a:schemeClr>
+              </a:solidFill>
+              <a:ln w="19050">
+                <a:solidFill>
+                  <a:schemeClr val="bg1"/>
+                </a:solidFill>
+              </a:ln>
+            </p:spPr>
+            <p:style>
+              <a:lnRef idx="2">
+                <a:schemeClr val="accent1">
+                  <a:shade val="50000"/>
+                </a:schemeClr>
+              </a:lnRef>
+              <a:fillRef idx="1">
+                <a:schemeClr val="accent1"/>
+              </a:fillRef>
+              <a:effectRef idx="0">
+                <a:schemeClr val="accent1"/>
+              </a:effectRef>
+              <a:fontRef idx="minor">
+                <a:schemeClr val="lt1"/>
+              </a:fontRef>
+            </p:style>
+            <p:txBody>
+              <a:bodyPr rtlCol="0" anchor="ctr"/>
+              <a:lstStyle/>
+              <a:p>
+                <a:pPr algn="ctr"/>
+                <a:endParaRPr lang="ko-KR" altLang="en-US" dirty="0">
+                  <a:solidFill>
+                    <a:srgbClr val="002060"/>
+                  </a:solidFill>
+                </a:endParaRPr>
+              </a:p>
+            </p:txBody>
+          </p:sp>
+          <p:sp>
+            <p:nvSpPr>
+              <p:cNvPr id="182" name="직사각형 181"/>
+              <p:cNvSpPr/>
+              <p:nvPr/>
+            </p:nvSpPr>
+            <p:spPr>
+              <a:xfrm>
+                <a:off x="7560651" y="2681650"/>
+                <a:ext cx="854319" cy="369277"/>
+              </a:xfrm>
+              <a:prstGeom prst="rect">
+                <a:avLst/>
+              </a:prstGeom>
+              <a:solidFill>
+                <a:schemeClr val="accent1">
+                  <a:lumMod val="40000"/>
+                  <a:lumOff val="60000"/>
+                </a:schemeClr>
+              </a:solidFill>
+              <a:ln w="19050">
+                <a:solidFill>
+                  <a:schemeClr val="bg1"/>
+                </a:solidFill>
+              </a:ln>
+            </p:spPr>
+            <p:style>
+              <a:lnRef idx="2">
+                <a:schemeClr val="accent1">
+                  <a:shade val="50000"/>
+                </a:schemeClr>
+              </a:lnRef>
+              <a:fillRef idx="1">
+                <a:schemeClr val="accent1"/>
+              </a:fillRef>
+              <a:effectRef idx="0">
+                <a:schemeClr val="accent1"/>
+              </a:effectRef>
+              <a:fontRef idx="minor">
+                <a:schemeClr val="lt1"/>
+              </a:fontRef>
+            </p:style>
+            <p:txBody>
+              <a:bodyPr rtlCol="0" anchor="ctr"/>
+              <a:lstStyle/>
+              <a:p>
+                <a:pPr algn="ctr"/>
+                <a:endParaRPr lang="ko-KR" altLang="en-US" dirty="0">
+                  <a:solidFill>
+                    <a:srgbClr val="002060"/>
+                  </a:solidFill>
+                </a:endParaRPr>
+              </a:p>
+            </p:txBody>
+          </p:sp>
+          <p:sp>
+            <p:nvSpPr>
+              <p:cNvPr id="183" name="직사각형 182"/>
+              <p:cNvSpPr/>
+              <p:nvPr/>
+            </p:nvSpPr>
+            <p:spPr>
+              <a:xfrm>
+                <a:off x="8414970" y="2681650"/>
+                <a:ext cx="854319" cy="369277"/>
+              </a:xfrm>
+              <a:prstGeom prst="rect">
+                <a:avLst/>
+              </a:prstGeom>
+              <a:solidFill>
+                <a:schemeClr val="accent1">
+                  <a:lumMod val="40000"/>
+                  <a:lumOff val="60000"/>
+                </a:schemeClr>
+              </a:solidFill>
+              <a:ln w="19050">
+                <a:solidFill>
+                  <a:schemeClr val="bg1"/>
+                </a:solidFill>
+              </a:ln>
+            </p:spPr>
+            <p:style>
+              <a:lnRef idx="2">
+                <a:schemeClr val="accent1">
+                  <a:shade val="50000"/>
+                </a:schemeClr>
+              </a:lnRef>
+              <a:fillRef idx="1">
+                <a:schemeClr val="accent1"/>
+              </a:fillRef>
+              <a:effectRef idx="0">
+                <a:schemeClr val="accent1"/>
+              </a:effectRef>
+              <a:fontRef idx="minor">
+                <a:schemeClr val="lt1"/>
+              </a:fontRef>
+            </p:style>
+            <p:txBody>
+              <a:bodyPr rtlCol="0" anchor="ctr"/>
+              <a:lstStyle/>
+              <a:p>
+                <a:pPr algn="ctr"/>
+                <a:endParaRPr lang="ko-KR" altLang="en-US" dirty="0">
+                  <a:solidFill>
+                    <a:srgbClr val="002060"/>
+                  </a:solidFill>
+                </a:endParaRPr>
+              </a:p>
+            </p:txBody>
+          </p:sp>
+        </p:grpSp>
+        <p:sp>
+          <p:nvSpPr>
+            <p:cNvPr id="184" name="모서리가 둥근 직사각형 183"/>
+            <p:cNvSpPr/>
+            <p:nvPr/>
+          </p:nvSpPr>
+          <p:spPr>
+            <a:xfrm>
+              <a:off x="6495714" y="1209186"/>
+              <a:ext cx="781050" cy="1905489"/>
+            </a:xfrm>
+            <a:prstGeom prst="roundRect">
+              <a:avLst/>
+            </a:prstGeom>
+            <a:noFill/>
+            <a:ln w="25400">
+              <a:solidFill>
+                <a:srgbClr val="FF0000"/>
+              </a:solidFill>
+            </a:ln>
+          </p:spPr>
+          <p:style>
+            <a:lnRef idx="2">
+              <a:schemeClr val="accent1">
+                <a:shade val="50000"/>
+              </a:schemeClr>
+            </a:lnRef>
+            <a:fillRef idx="1">
+              <a:schemeClr val="accent1"/>
+            </a:fillRef>
+            <a:effectRef idx="0">
+              <a:schemeClr val="accent1"/>
+            </a:effectRef>
+            <a:fontRef idx="minor">
+              <a:schemeClr val="lt1"/>
+            </a:fontRef>
+          </p:style>
+          <p:txBody>
+            <a:bodyPr rtlCol="0" anchor="ctr"/>
+            <a:lstStyle/>
+            <a:p>
+              <a:pPr algn="ctr"/>
+              <a:endParaRPr lang="ko-KR" altLang="en-US"/>
+            </a:p>
+          </p:txBody>
+        </p:sp>
+      </p:grpSp>
+    </p:spTree>
+    <p:extLst>
+      <p:ext uri="{BB962C8B-B14F-4D97-AF65-F5344CB8AC3E}">
+        <p14:creationId xmlns:p14="http://schemas.microsoft.com/office/powerpoint/2010/main" val="3521094347"/>
+      </p:ext>
+    </p:extLst>
+  </p:cSld>
+  <p:clrMapOvr>
+    <a:masterClrMapping/>
+  </p:clrMapOvr>
+</p:sld>
+</file>
+
 <file path=ppt/theme/theme1.xml><?xml version="1.0" encoding="utf-8"?>
 <a:theme xmlns:a="http://schemas.openxmlformats.org/drawingml/2006/main" name="Office 테마">
   <a:themeElements>
